--- a/User story estimate.pptx
+++ b/User story estimate.pptx
@@ -5,18 +5,31 @@
     <p:sldMasterId id="2147483648" r:id="rId1"/>
   </p:sldMasterIdLst>
   <p:notesMasterIdLst>
-    <p:notesMasterId r:id="rId11"/>
+    <p:notesMasterId r:id="rId24"/>
   </p:notesMasterIdLst>
   <p:sldIdLst>
-    <p:sldId id="257" r:id="rId2"/>
-    <p:sldId id="258" r:id="rId3"/>
-    <p:sldId id="259" r:id="rId4"/>
-    <p:sldId id="260" r:id="rId5"/>
-    <p:sldId id="261" r:id="rId6"/>
-    <p:sldId id="262" r:id="rId7"/>
-    <p:sldId id="263" r:id="rId8"/>
-    <p:sldId id="264" r:id="rId9"/>
-    <p:sldId id="265" r:id="rId10"/>
+    <p:sldId id="266" r:id="rId2"/>
+    <p:sldId id="268" r:id="rId3"/>
+    <p:sldId id="269" r:id="rId4"/>
+    <p:sldId id="270" r:id="rId5"/>
+    <p:sldId id="271" r:id="rId6"/>
+    <p:sldId id="272" r:id="rId7"/>
+    <p:sldId id="273" r:id="rId8"/>
+    <p:sldId id="274" r:id="rId9"/>
+    <p:sldId id="275" r:id="rId10"/>
+    <p:sldId id="276" r:id="rId11"/>
+    <p:sldId id="277" r:id="rId12"/>
+    <p:sldId id="278" r:id="rId13"/>
+    <p:sldId id="279" r:id="rId14"/>
+    <p:sldId id="280" r:id="rId15"/>
+    <p:sldId id="257" r:id="rId16"/>
+    <p:sldId id="258" r:id="rId17"/>
+    <p:sldId id="259" r:id="rId18"/>
+    <p:sldId id="260" r:id="rId19"/>
+    <p:sldId id="261" r:id="rId20"/>
+    <p:sldId id="262" r:id="rId21"/>
+    <p:sldId id="263" r:id="rId22"/>
+    <p:sldId id="264" r:id="rId23"/>
   </p:sldIdLst>
   <p:sldSz cx="12192000" cy="6858000"/>
   <p:notesSz cx="6858000" cy="9144000"/>
@@ -115,6 +128,11 @@
       </a:defRPr>
     </a:lvl9pPr>
   </p:defaultTextStyle>
+  <p:extLst>
+    <p:ext uri="{EFAFB233-063F-42B5-8137-9DF3F51BA10A}">
+      <p15:sldGuideLst xmlns:p15="http://schemas.microsoft.com/office/powerpoint/2012/main"/>
+    </p:ext>
+  </p:extLst>
 </p:presentation>
 </file>
 
@@ -200,7 +218,7 @@
           <a:p>
             <a:fld id="{61B63C07-E220-4B50-AB85-1FB469901B12}" type="datetimeFigureOut">
               <a:rPr lang="en-US" smtClean="0"/>
-              <a:t>10/31/2019</a:t>
+              <a:t>11/14/2019</a:t>
             </a:fld>
             <a:endParaRPr lang="en-US"/>
           </a:p>
@@ -513,6 +531,354 @@
           <a:lstStyle/>
           <a:p>
             <a:r>
+              <a:rPr lang="en-US" dirty="0" smtClean="0"/>
+              <a:t>More Examples:</a:t>
+            </a:r>
+          </a:p>
+          <a:p>
+            <a:r>
+              <a:rPr lang="en-US" dirty="0" smtClean="0"/>
+              <a:t>-Book a shuttle, An </a:t>
+            </a:r>
+            <a:r>
+              <a:rPr lang="en-US" dirty="0" err="1" smtClean="0"/>
+              <a:t>Orions´s</a:t>
+            </a:r>
+            <a:r>
+              <a:rPr lang="en-US" dirty="0" smtClean="0"/>
+              <a:t> Orbits user will be able to book a shuttle</a:t>
+            </a:r>
+          </a:p>
+          <a:p>
+            <a:r>
+              <a:rPr lang="en-US" dirty="0" smtClean="0"/>
+              <a:t>-Book a packages, with</a:t>
+            </a:r>
+            <a:r>
+              <a:rPr lang="en-US" baseline="0" dirty="0" smtClean="0"/>
+              <a:t> special extras</a:t>
+            </a:r>
+          </a:p>
+          <a:p>
+            <a:r>
+              <a:rPr lang="en-US" baseline="0" dirty="0" smtClean="0"/>
+              <a:t>-Pay online</a:t>
+            </a:r>
+          </a:p>
+          <a:p>
+            <a:r>
+              <a:rPr lang="en-US" baseline="0" dirty="0" smtClean="0"/>
+              <a:t>-Arrange travel, to and from the spaceport</a:t>
+            </a:r>
+          </a:p>
+          <a:p>
+            <a:r>
+              <a:rPr lang="en-US" baseline="0" dirty="0" smtClean="0"/>
+              <a:t>Book a hotel</a:t>
+            </a:r>
+            <a:endParaRPr lang="en-US" dirty="0"/>
+          </a:p>
+        </p:txBody>
+      </p:sp>
+      <p:sp>
+        <p:nvSpPr>
+          <p:cNvPr id="4" name="Foliennummernplatzhalter 3"/>
+          <p:cNvSpPr>
+            <a:spLocks noGrp="1"/>
+          </p:cNvSpPr>
+          <p:nvPr>
+            <p:ph type="sldNum" sz="quarter" idx="10"/>
+          </p:nvPr>
+        </p:nvSpPr>
+        <p:spPr/>
+        <p:txBody>
+          <a:bodyPr/>
+          <a:lstStyle/>
+          <a:p>
+            <a:fld id="{9A067C0D-FA59-4255-BB05-B53A005E7B20}" type="slidenum">
+              <a:rPr lang="en-US" smtClean="0"/>
+              <a:t>4</a:t>
+            </a:fld>
+            <a:endParaRPr lang="en-US"/>
+          </a:p>
+        </p:txBody>
+      </p:sp>
+    </p:spTree>
+    <p:extLst>
+      <p:ext uri="{BB962C8B-B14F-4D97-AF65-F5344CB8AC3E}">
+        <p14:creationId xmlns:p14="http://schemas.microsoft.com/office/powerpoint/2010/main" val="3015805090"/>
+      </p:ext>
+    </p:extLst>
+  </p:cSld>
+  <p:clrMapOvr>
+    <a:masterClrMapping/>
+  </p:clrMapOvr>
+</p:notes>
+</file>
+
+<file path=ppt/notesSlides/notesSlide2.xml><?xml version="1.0" encoding="utf-8"?>
+<p:notes xmlns:a="http://schemas.openxmlformats.org/drawingml/2006/main" xmlns:r="http://schemas.openxmlformats.org/officeDocument/2006/relationships" xmlns:p="http://schemas.openxmlformats.org/presentationml/2006/main">
+  <p:cSld>
+    <p:spTree>
+      <p:nvGrpSpPr>
+        <p:cNvPr id="1" name=""/>
+        <p:cNvGrpSpPr/>
+        <p:nvPr/>
+      </p:nvGrpSpPr>
+      <p:grpSpPr>
+        <a:xfrm>
+          <a:off x="0" y="0"/>
+          <a:ext cx="0" cy="0"/>
+          <a:chOff x="0" y="0"/>
+          <a:chExt cx="0" cy="0"/>
+        </a:xfrm>
+      </p:grpSpPr>
+      <p:sp>
+        <p:nvSpPr>
+          <p:cNvPr id="2" name="Folienbildplatzhalter 1"/>
+          <p:cNvSpPr>
+            <a:spLocks noGrp="1" noRot="1" noChangeAspect="1"/>
+          </p:cNvSpPr>
+          <p:nvPr>
+            <p:ph type="sldImg"/>
+          </p:nvPr>
+        </p:nvSpPr>
+        <p:spPr/>
+      </p:sp>
+      <p:sp>
+        <p:nvSpPr>
+          <p:cNvPr id="3" name="Notizenplatzhalter 2"/>
+          <p:cNvSpPr>
+            <a:spLocks noGrp="1"/>
+          </p:cNvSpPr>
+          <p:nvPr>
+            <p:ph type="body" idx="1"/>
+          </p:nvPr>
+        </p:nvSpPr>
+        <p:spPr/>
+        <p:txBody>
+          <a:bodyPr/>
+          <a:lstStyle/>
+          <a:p>
+            <a:r>
+              <a:rPr lang="en-US" dirty="0" smtClean="0"/>
+              <a:t>Try the get every important information. Because</a:t>
+            </a:r>
+            <a:r>
+              <a:rPr lang="en-US" baseline="0" dirty="0" smtClean="0"/>
+              <a:t> there is nothing worse than finishing a project and the customer saying </a:t>
+            </a:r>
+            <a:r>
+              <a:rPr lang="en-US" baseline="0" dirty="0" err="1" smtClean="0"/>
+              <a:t>thwy</a:t>
+            </a:r>
+            <a:r>
+              <a:rPr lang="en-US" baseline="0" dirty="0" smtClean="0"/>
+              <a:t> forgot some </a:t>
+            </a:r>
+            <a:r>
+              <a:rPr lang="en-US" baseline="0" dirty="0" err="1" smtClean="0"/>
+              <a:t>impotant</a:t>
+            </a:r>
+            <a:r>
+              <a:rPr lang="en-US" baseline="0" dirty="0" smtClean="0"/>
+              <a:t> detail.</a:t>
+            </a:r>
+            <a:endParaRPr lang="en-US" dirty="0"/>
+          </a:p>
+        </p:txBody>
+      </p:sp>
+      <p:sp>
+        <p:nvSpPr>
+          <p:cNvPr id="4" name="Foliennummernplatzhalter 3"/>
+          <p:cNvSpPr>
+            <a:spLocks noGrp="1"/>
+          </p:cNvSpPr>
+          <p:nvPr>
+            <p:ph type="sldNum" sz="quarter" idx="10"/>
+          </p:nvPr>
+        </p:nvSpPr>
+        <p:spPr/>
+        <p:txBody>
+          <a:bodyPr/>
+          <a:lstStyle/>
+          <a:p>
+            <a:fld id="{9A067C0D-FA59-4255-BB05-B53A005E7B20}" type="slidenum">
+              <a:rPr lang="en-US" smtClean="0"/>
+              <a:t>5</a:t>
+            </a:fld>
+            <a:endParaRPr lang="en-US"/>
+          </a:p>
+        </p:txBody>
+      </p:sp>
+    </p:spTree>
+    <p:extLst>
+      <p:ext uri="{BB962C8B-B14F-4D97-AF65-F5344CB8AC3E}">
+        <p14:creationId xmlns:p14="http://schemas.microsoft.com/office/powerpoint/2010/main" val="2011446512"/>
+      </p:ext>
+    </p:extLst>
+  </p:cSld>
+  <p:clrMapOvr>
+    <a:masterClrMapping/>
+  </p:clrMapOvr>
+</p:notes>
+</file>
+
+<file path=ppt/notesSlides/notesSlide3.xml><?xml version="1.0" encoding="utf-8"?>
+<p:notes xmlns:a="http://schemas.openxmlformats.org/drawingml/2006/main" xmlns:r="http://schemas.openxmlformats.org/officeDocument/2006/relationships" xmlns:p="http://schemas.openxmlformats.org/presentationml/2006/main">
+  <p:cSld>
+    <p:spTree>
+      <p:nvGrpSpPr>
+        <p:cNvPr id="1" name=""/>
+        <p:cNvGrpSpPr/>
+        <p:nvPr/>
+      </p:nvGrpSpPr>
+      <p:grpSpPr>
+        <a:xfrm>
+          <a:off x="0" y="0"/>
+          <a:ext cx="0" cy="0"/>
+          <a:chOff x="0" y="0"/>
+          <a:chExt cx="0" cy="0"/>
+        </a:xfrm>
+      </p:grpSpPr>
+      <p:sp>
+        <p:nvSpPr>
+          <p:cNvPr id="2" name="Folienbildplatzhalter 1"/>
+          <p:cNvSpPr>
+            <a:spLocks noGrp="1" noRot="1" noChangeAspect="1"/>
+          </p:cNvSpPr>
+          <p:nvPr>
+            <p:ph type="sldImg"/>
+          </p:nvPr>
+        </p:nvSpPr>
+        <p:spPr/>
+      </p:sp>
+      <p:sp>
+        <p:nvSpPr>
+          <p:cNvPr id="3" name="Notizenplatzhalter 2"/>
+          <p:cNvSpPr>
+            <a:spLocks noGrp="1"/>
+          </p:cNvSpPr>
+          <p:nvPr>
+            <p:ph type="body" idx="1"/>
+          </p:nvPr>
+        </p:nvSpPr>
+        <p:spPr/>
+        <p:txBody>
+          <a:bodyPr/>
+          <a:lstStyle/>
+          <a:p>
+            <a:r>
+              <a:rPr lang="en-US" dirty="0" smtClean="0"/>
+              <a:t>Analyze: Large spread </a:t>
+            </a:r>
+            <a:r>
+              <a:rPr lang="en-US" dirty="0" smtClean="0">
+                <a:sym typeface="Wingdings" panose="05000000000000000000" pitchFamily="2" charset="2"/>
+              </a:rPr>
+              <a:t> less confidence  go back to user story</a:t>
+            </a:r>
+            <a:r>
+              <a:rPr lang="en-US" baseline="0" dirty="0" smtClean="0">
+                <a:sym typeface="Wingdings" panose="05000000000000000000" pitchFamily="2" charset="2"/>
+              </a:rPr>
+              <a:t> &amp; may ask customer for more clarification</a:t>
+            </a:r>
+          </a:p>
+          <a:p>
+            <a:r>
+              <a:rPr lang="en-US" baseline="0" dirty="0" smtClean="0">
+                <a:sym typeface="Wingdings" panose="05000000000000000000" pitchFamily="2" charset="2"/>
+              </a:rPr>
+              <a:t>Dev: played the user story</a:t>
+            </a:r>
+          </a:p>
+          <a:p>
+            <a:endParaRPr lang="en-US" dirty="0"/>
+          </a:p>
+        </p:txBody>
+      </p:sp>
+      <p:sp>
+        <p:nvSpPr>
+          <p:cNvPr id="4" name="Foliennummernplatzhalter 3"/>
+          <p:cNvSpPr>
+            <a:spLocks noGrp="1"/>
+          </p:cNvSpPr>
+          <p:nvPr>
+            <p:ph type="sldNum" sz="quarter" idx="10"/>
+          </p:nvPr>
+        </p:nvSpPr>
+        <p:spPr/>
+        <p:txBody>
+          <a:bodyPr/>
+          <a:lstStyle/>
+          <a:p>
+            <a:fld id="{E9287633-7CDD-448B-9371-E62FD7D4B8FB}" type="slidenum">
+              <a:rPr lang="en-US" smtClean="0"/>
+              <a:t>12</a:t>
+            </a:fld>
+            <a:endParaRPr lang="en-US"/>
+          </a:p>
+        </p:txBody>
+      </p:sp>
+    </p:spTree>
+    <p:extLst>
+      <p:ext uri="{BB962C8B-B14F-4D97-AF65-F5344CB8AC3E}">
+        <p14:creationId xmlns:p14="http://schemas.microsoft.com/office/powerpoint/2010/main" val="1775141613"/>
+      </p:ext>
+    </p:extLst>
+  </p:cSld>
+  <p:clrMapOvr>
+    <a:masterClrMapping/>
+  </p:clrMapOvr>
+</p:notes>
+</file>
+
+<file path=ppt/notesSlides/notesSlide4.xml><?xml version="1.0" encoding="utf-8"?>
+<p:notes xmlns:a="http://schemas.openxmlformats.org/drawingml/2006/main" xmlns:r="http://schemas.openxmlformats.org/officeDocument/2006/relationships" xmlns:p="http://schemas.openxmlformats.org/presentationml/2006/main">
+  <p:cSld>
+    <p:spTree>
+      <p:nvGrpSpPr>
+        <p:cNvPr id="1" name=""/>
+        <p:cNvGrpSpPr/>
+        <p:nvPr/>
+      </p:nvGrpSpPr>
+      <p:grpSpPr>
+        <a:xfrm>
+          <a:off x="0" y="0"/>
+          <a:ext cx="0" cy="0"/>
+          <a:chOff x="0" y="0"/>
+          <a:chExt cx="0" cy="0"/>
+        </a:xfrm>
+      </p:grpSpPr>
+      <p:sp>
+        <p:nvSpPr>
+          <p:cNvPr id="2" name="Folienbildplatzhalter 1"/>
+          <p:cNvSpPr>
+            <a:spLocks noGrp="1" noRot="1" noChangeAspect="1"/>
+          </p:cNvSpPr>
+          <p:nvPr>
+            <p:ph type="sldImg"/>
+          </p:nvPr>
+        </p:nvSpPr>
+        <p:spPr/>
+      </p:sp>
+      <p:sp>
+        <p:nvSpPr>
+          <p:cNvPr id="3" name="Notizenplatzhalter 2"/>
+          <p:cNvSpPr>
+            <a:spLocks noGrp="1"/>
+          </p:cNvSpPr>
+          <p:nvPr>
+            <p:ph type="body" idx="1"/>
+          </p:nvPr>
+        </p:nvSpPr>
+        <p:spPr/>
+        <p:txBody>
+          <a:bodyPr/>
+          <a:lstStyle/>
+          <a:p>
+            <a:r>
               <a:rPr lang="en-US" b="1" dirty="0" smtClean="0"/>
               <a:t>Convergence</a:t>
             </a:r>
@@ -561,7 +927,7 @@
           <a:p>
             <a:fld id="{6CFA1421-7BED-413A-83C5-28D7ED450CBD}" type="slidenum">
               <a:rPr lang="en-US" smtClean="0"/>
-              <a:t>4</a:t>
+              <a:t>18</a:t>
             </a:fld>
             <a:endParaRPr lang="en-US"/>
           </a:p>
@@ -711,7 +1077,7 @@
           <a:p>
             <a:fld id="{872EB874-746A-49B0-99C9-8471979E8D48}" type="datetimeFigureOut">
               <a:rPr lang="de-DE" smtClean="0"/>
-              <a:t>31.10.2019</a:t>
+              <a:t>14.11.2019</a:t>
             </a:fld>
             <a:endParaRPr lang="de-DE"/>
           </a:p>
@@ -881,7 +1247,7 @@
           <a:p>
             <a:fld id="{872EB874-746A-49B0-99C9-8471979E8D48}" type="datetimeFigureOut">
               <a:rPr lang="de-DE" smtClean="0"/>
-              <a:t>31.10.2019</a:t>
+              <a:t>14.11.2019</a:t>
             </a:fld>
             <a:endParaRPr lang="de-DE"/>
           </a:p>
@@ -1061,7 +1427,7 @@
           <a:p>
             <a:fld id="{872EB874-746A-49B0-99C9-8471979E8D48}" type="datetimeFigureOut">
               <a:rPr lang="de-DE" smtClean="0"/>
-              <a:t>31.10.2019</a:t>
+              <a:t>14.11.2019</a:t>
             </a:fld>
             <a:endParaRPr lang="de-DE"/>
           </a:p>
@@ -1231,7 +1597,7 @@
           <a:p>
             <a:fld id="{872EB874-746A-49B0-99C9-8471979E8D48}" type="datetimeFigureOut">
               <a:rPr lang="de-DE" smtClean="0"/>
-              <a:t>31.10.2019</a:t>
+              <a:t>14.11.2019</a:t>
             </a:fld>
             <a:endParaRPr lang="de-DE"/>
           </a:p>
@@ -1477,7 +1843,7 @@
           <a:p>
             <a:fld id="{872EB874-746A-49B0-99C9-8471979E8D48}" type="datetimeFigureOut">
               <a:rPr lang="de-DE" smtClean="0"/>
-              <a:t>31.10.2019</a:t>
+              <a:t>14.11.2019</a:t>
             </a:fld>
             <a:endParaRPr lang="de-DE"/>
           </a:p>
@@ -1709,7 +2075,7 @@
           <a:p>
             <a:fld id="{872EB874-746A-49B0-99C9-8471979E8D48}" type="datetimeFigureOut">
               <a:rPr lang="de-DE" smtClean="0"/>
-              <a:t>31.10.2019</a:t>
+              <a:t>14.11.2019</a:t>
             </a:fld>
             <a:endParaRPr lang="de-DE"/>
           </a:p>
@@ -2076,7 +2442,7 @@
           <a:p>
             <a:fld id="{872EB874-746A-49B0-99C9-8471979E8D48}" type="datetimeFigureOut">
               <a:rPr lang="de-DE" smtClean="0"/>
-              <a:t>31.10.2019</a:t>
+              <a:t>14.11.2019</a:t>
             </a:fld>
             <a:endParaRPr lang="de-DE"/>
           </a:p>
@@ -2194,7 +2560,7 @@
           <a:p>
             <a:fld id="{872EB874-746A-49B0-99C9-8471979E8D48}" type="datetimeFigureOut">
               <a:rPr lang="de-DE" smtClean="0"/>
-              <a:t>31.10.2019</a:t>
+              <a:t>14.11.2019</a:t>
             </a:fld>
             <a:endParaRPr lang="de-DE"/>
           </a:p>
@@ -2289,7 +2655,7 @@
           <a:p>
             <a:fld id="{872EB874-746A-49B0-99C9-8471979E8D48}" type="datetimeFigureOut">
               <a:rPr lang="de-DE" smtClean="0"/>
-              <a:t>31.10.2019</a:t>
+              <a:t>14.11.2019</a:t>
             </a:fld>
             <a:endParaRPr lang="de-DE"/>
           </a:p>
@@ -2566,7 +2932,7 @@
           <a:p>
             <a:fld id="{872EB874-746A-49B0-99C9-8471979E8D48}" type="datetimeFigureOut">
               <a:rPr lang="de-DE" smtClean="0"/>
-              <a:t>31.10.2019</a:t>
+              <a:t>14.11.2019</a:t>
             </a:fld>
             <a:endParaRPr lang="de-DE"/>
           </a:p>
@@ -2819,7 +3185,7 @@
           <a:p>
             <a:fld id="{872EB874-746A-49B0-99C9-8471979E8D48}" type="datetimeFigureOut">
               <a:rPr lang="de-DE" smtClean="0"/>
-              <a:t>31.10.2019</a:t>
+              <a:t>14.11.2019</a:t>
             </a:fld>
             <a:endParaRPr lang="de-DE"/>
           </a:p>
@@ -3032,7 +3398,7 @@
           <a:p>
             <a:fld id="{872EB874-746A-49B0-99C9-8471979E8D48}" type="datetimeFigureOut">
               <a:rPr lang="de-DE" smtClean="0"/>
-              <a:t>31.10.2019</a:t>
+              <a:t>14.11.2019</a:t>
             </a:fld>
             <a:endParaRPr lang="de-DE"/>
           </a:p>
@@ -3439,6 +3805,958 @@
       </p:grpSpPr>
       <p:sp>
         <p:nvSpPr>
+          <p:cNvPr id="4" name="Titel 3"/>
+          <p:cNvSpPr>
+            <a:spLocks noGrp="1"/>
+          </p:cNvSpPr>
+          <p:nvPr>
+            <p:ph type="ctrTitle"/>
+          </p:nvPr>
+        </p:nvSpPr>
+        <p:spPr/>
+        <p:txBody>
+          <a:bodyPr/>
+          <a:lstStyle/>
+          <a:p>
+            <a:r>
+              <a:rPr lang="de-DE" b="1" dirty="0" err="1"/>
+              <a:t>Knowing</a:t>
+            </a:r>
+            <a:r>
+              <a:rPr lang="de-DE" b="1" dirty="0"/>
+              <a:t> </a:t>
+            </a:r>
+            <a:r>
+              <a:rPr lang="de-DE" b="1" dirty="0" err="1"/>
+              <a:t>what</a:t>
+            </a:r>
+            <a:r>
+              <a:rPr lang="de-DE" b="1" dirty="0"/>
+              <a:t> </a:t>
+            </a:r>
+            <a:r>
+              <a:rPr lang="de-DE" b="1" dirty="0" err="1"/>
+              <a:t>the</a:t>
+            </a:r>
+            <a:r>
+              <a:rPr lang="de-DE" b="1" dirty="0"/>
+              <a:t> </a:t>
+            </a:r>
+            <a:r>
+              <a:rPr lang="de-DE" b="1" dirty="0" err="1"/>
+              <a:t>customer</a:t>
+            </a:r>
+            <a:r>
+              <a:rPr lang="de-DE" b="1" dirty="0"/>
+              <a:t> </a:t>
+            </a:r>
+            <a:r>
+              <a:rPr lang="en-US" b="1" dirty="0"/>
+              <a:t>wants</a:t>
+            </a:r>
+          </a:p>
+        </p:txBody>
+      </p:sp>
+      <p:sp>
+        <p:nvSpPr>
+          <p:cNvPr id="5" name="Untertitel 4"/>
+          <p:cNvSpPr>
+            <a:spLocks noGrp="1"/>
+          </p:cNvSpPr>
+          <p:nvPr>
+            <p:ph type="subTitle" idx="1"/>
+          </p:nvPr>
+        </p:nvSpPr>
+        <p:spPr/>
+        <p:txBody>
+          <a:bodyPr>
+            <a:normAutofit lnSpcReduction="10000"/>
+          </a:bodyPr>
+          <a:lstStyle/>
+          <a:p>
+            <a:r>
+              <a:rPr lang="de-DE" dirty="0" err="1"/>
+              <a:t>Gathering</a:t>
+            </a:r>
+            <a:r>
+              <a:rPr lang="de-DE" dirty="0"/>
+              <a:t> </a:t>
+            </a:r>
+            <a:r>
+              <a:rPr lang="en-US" dirty="0"/>
+              <a:t>requirements</a:t>
+            </a:r>
+          </a:p>
+          <a:p>
+            <a:endParaRPr lang="en-US" dirty="0"/>
+          </a:p>
+          <a:p>
+            <a:r>
+              <a:rPr lang="en-US" dirty="0"/>
+              <a:t>A presentation from</a:t>
+            </a:r>
+          </a:p>
+          <a:p>
+            <a:r>
+              <a:rPr lang="en-US" dirty="0"/>
+              <a:t>Chris, Max and </a:t>
+            </a:r>
+            <a:r>
+              <a:rPr lang="en-US" dirty="0" err="1"/>
+              <a:t>Benni</a:t>
+            </a:r>
+            <a:endParaRPr lang="en-US" dirty="0"/>
+          </a:p>
+          <a:p>
+            <a:endParaRPr lang="en-US" dirty="0"/>
+          </a:p>
+        </p:txBody>
+      </p:sp>
+    </p:spTree>
+    <p:extLst>
+      <p:ext uri="{BB962C8B-B14F-4D97-AF65-F5344CB8AC3E}">
+        <p14:creationId xmlns:p14="http://schemas.microsoft.com/office/powerpoint/2010/main" val="1406063615"/>
+      </p:ext>
+    </p:extLst>
+  </p:cSld>
+  <p:clrMapOvr>
+    <a:masterClrMapping/>
+  </p:clrMapOvr>
+  <mc:AlternateContent xmlns:mc="http://schemas.openxmlformats.org/markup-compatibility/2006">
+    <mc:Choice xmlns:p14="http://schemas.microsoft.com/office/powerpoint/2010/main" Requires="p14">
+      <p:transition p14:dur="0"/>
+    </mc:Choice>
+    <mc:Fallback>
+      <p:transition/>
+    </mc:Fallback>
+  </mc:AlternateContent>
+  <p:timing>
+    <p:tnLst>
+      <p:par>
+        <p:cTn id="1" dur="indefinite" restart="never" nodeType="tmRoot"/>
+      </p:par>
+    </p:tnLst>
+  </p:timing>
+</p:sld>
+</file>
+
+<file path=ppt/slides/slide10.xml><?xml version="1.0" encoding="utf-8"?>
+<p:sld xmlns:a="http://schemas.openxmlformats.org/drawingml/2006/main" xmlns:r="http://schemas.openxmlformats.org/officeDocument/2006/relationships" xmlns:p="http://schemas.openxmlformats.org/presentationml/2006/main">
+  <p:cSld>
+    <p:spTree>
+      <p:nvGrpSpPr>
+        <p:cNvPr id="1" name=""/>
+        <p:cNvGrpSpPr/>
+        <p:nvPr/>
+      </p:nvGrpSpPr>
+      <p:grpSpPr>
+        <a:xfrm>
+          <a:off x="0" y="0"/>
+          <a:ext cx="0" cy="0"/>
+          <a:chOff x="0" y="0"/>
+          <a:chExt cx="0" cy="0"/>
+        </a:xfrm>
+      </p:grpSpPr>
+      <p:sp>
+        <p:nvSpPr>
+          <p:cNvPr id="2" name="Titel 1"/>
+          <p:cNvSpPr>
+            <a:spLocks noGrp="1"/>
+          </p:cNvSpPr>
+          <p:nvPr>
+            <p:ph type="title"/>
+          </p:nvPr>
+        </p:nvSpPr>
+        <p:spPr/>
+        <p:txBody>
+          <a:bodyPr/>
+          <a:lstStyle/>
+          <a:p>
+            <a:r>
+              <a:rPr lang="en-US" b="1" dirty="0" smtClean="0"/>
+              <a:t>Customer: how long will it take?</a:t>
+            </a:r>
+            <a:endParaRPr lang="en-US" b="1" dirty="0"/>
+          </a:p>
+        </p:txBody>
+      </p:sp>
+      <p:sp>
+        <p:nvSpPr>
+          <p:cNvPr id="3" name="Inhaltsplatzhalter 2"/>
+          <p:cNvSpPr>
+            <a:spLocks noGrp="1"/>
+          </p:cNvSpPr>
+          <p:nvPr>
+            <p:ph idx="1"/>
+          </p:nvPr>
+        </p:nvSpPr>
+        <p:spPr/>
+        <p:txBody>
+          <a:bodyPr>
+            <a:normAutofit/>
+          </a:bodyPr>
+          <a:lstStyle/>
+          <a:p>
+            <a:r>
+              <a:rPr lang="en-US" sz="3200" dirty="0" smtClean="0"/>
+              <a:t>User stories: define the WHAT of your project</a:t>
+            </a:r>
+          </a:p>
+          <a:p>
+            <a:r>
+              <a:rPr lang="en-US" sz="3200" dirty="0" smtClean="0"/>
+              <a:t>Estimates: define the WHEN of your project</a:t>
+            </a:r>
+            <a:endParaRPr lang="en-US" sz="3200" dirty="0"/>
+          </a:p>
+        </p:txBody>
+      </p:sp>
+    </p:spTree>
+    <p:extLst>
+      <p:ext uri="{BB962C8B-B14F-4D97-AF65-F5344CB8AC3E}">
+        <p14:creationId xmlns:p14="http://schemas.microsoft.com/office/powerpoint/2010/main" val="2967447681"/>
+      </p:ext>
+    </p:extLst>
+  </p:cSld>
+  <p:clrMapOvr>
+    <a:masterClrMapping/>
+  </p:clrMapOvr>
+  <mc:AlternateContent xmlns:mc="http://schemas.openxmlformats.org/markup-compatibility/2006">
+    <mc:Choice xmlns:p14="http://schemas.microsoft.com/office/powerpoint/2010/main" Requires="p14">
+      <p:transition p14:dur="0"/>
+    </mc:Choice>
+    <mc:Fallback>
+      <p:transition/>
+    </mc:Fallback>
+  </mc:AlternateContent>
+  <p:timing>
+    <p:tnLst>
+      <p:par>
+        <p:cTn id="1" dur="indefinite" restart="never" nodeType="tmRoot"/>
+      </p:par>
+    </p:tnLst>
+  </p:timing>
+</p:sld>
+</file>
+
+<file path=ppt/slides/slide11.xml><?xml version="1.0" encoding="utf-8"?>
+<p:sld xmlns:a="http://schemas.openxmlformats.org/drawingml/2006/main" xmlns:r="http://schemas.openxmlformats.org/officeDocument/2006/relationships" xmlns:p="http://schemas.openxmlformats.org/presentationml/2006/main">
+  <p:cSld>
+    <p:spTree>
+      <p:nvGrpSpPr>
+        <p:cNvPr id="1" name=""/>
+        <p:cNvGrpSpPr/>
+        <p:nvPr/>
+      </p:nvGrpSpPr>
+      <p:grpSpPr>
+        <a:xfrm>
+          <a:off x="0" y="0"/>
+          <a:ext cx="0" cy="0"/>
+          <a:chOff x="0" y="0"/>
+          <a:chExt cx="0" cy="0"/>
+        </a:xfrm>
+      </p:grpSpPr>
+      <p:sp>
+        <p:nvSpPr>
+          <p:cNvPr id="4" name="Titel 3"/>
+          <p:cNvSpPr>
+            <a:spLocks noGrp="1"/>
+          </p:cNvSpPr>
+          <p:nvPr>
+            <p:ph type="title"/>
+          </p:nvPr>
+        </p:nvSpPr>
+        <p:spPr>
+          <a:xfrm>
+            <a:off x="838200" y="365126"/>
+            <a:ext cx="10515600" cy="886446"/>
+          </a:xfrm>
+        </p:spPr>
+        <p:txBody>
+          <a:bodyPr/>
+          <a:lstStyle/>
+          <a:p>
+            <a:r>
+              <a:rPr lang="en-US" b="1" dirty="0" smtClean="0"/>
+              <a:t>Assumptions</a:t>
+            </a:r>
+            <a:endParaRPr lang="en-US" b="1" dirty="0"/>
+          </a:p>
+        </p:txBody>
+      </p:sp>
+      <p:pic>
+        <p:nvPicPr>
+          <p:cNvPr id="7" name="Inhaltsplatzhalter 6"/>
+          <p:cNvPicPr>
+            <a:picLocks noGrp="1" noChangeAspect="1"/>
+          </p:cNvPicPr>
+          <p:nvPr>
+            <p:ph sz="half" idx="1"/>
+          </p:nvPr>
+        </p:nvPicPr>
+        <p:blipFill>
+          <a:blip r:embed="rId2"/>
+          <a:stretch>
+            <a:fillRect/>
+          </a:stretch>
+        </p:blipFill>
+        <p:spPr>
+          <a:xfrm>
+            <a:off x="1116893" y="1240394"/>
+            <a:ext cx="4935093" cy="5458985"/>
+          </a:xfrm>
+          <a:prstGeom prst="rect">
+            <a:avLst/>
+          </a:prstGeom>
+        </p:spPr>
+      </p:pic>
+      <p:sp>
+        <p:nvSpPr>
+          <p:cNvPr id="6" name="Inhaltsplatzhalter 5"/>
+          <p:cNvSpPr>
+            <a:spLocks noGrp="1"/>
+          </p:cNvSpPr>
+          <p:nvPr>
+            <p:ph sz="half" idx="2"/>
+          </p:nvPr>
+        </p:nvSpPr>
+        <p:spPr>
+          <a:xfrm>
+            <a:off x="6112093" y="1251571"/>
+            <a:ext cx="5181600" cy="5447807"/>
+          </a:xfrm>
+        </p:spPr>
+        <p:txBody>
+          <a:bodyPr>
+            <a:normAutofit/>
+          </a:bodyPr>
+          <a:lstStyle/>
+          <a:p>
+            <a:r>
+              <a:rPr lang="en-US" sz="3200" dirty="0" smtClean="0"/>
+              <a:t>Adding estimates to each user story</a:t>
+            </a:r>
+          </a:p>
+          <a:p>
+            <a:r>
+              <a:rPr lang="en-US" sz="3200" dirty="0" smtClean="0"/>
+              <a:t>Project estimate: sum of the estimates for user stories</a:t>
+            </a:r>
+          </a:p>
+          <a:p>
+            <a:endParaRPr lang="en-US" sz="1600" dirty="0"/>
+          </a:p>
+        </p:txBody>
+      </p:sp>
+    </p:spTree>
+    <p:extLst>
+      <p:ext uri="{BB962C8B-B14F-4D97-AF65-F5344CB8AC3E}">
+        <p14:creationId xmlns:p14="http://schemas.microsoft.com/office/powerpoint/2010/main" val="1349840851"/>
+      </p:ext>
+    </p:extLst>
+  </p:cSld>
+  <p:clrMapOvr>
+    <a:masterClrMapping/>
+  </p:clrMapOvr>
+  <mc:AlternateContent xmlns:mc="http://schemas.openxmlformats.org/markup-compatibility/2006">
+    <mc:Choice xmlns:p14="http://schemas.microsoft.com/office/powerpoint/2010/main" Requires="p14">
+      <p:transition p14:dur="0"/>
+    </mc:Choice>
+    <mc:Fallback>
+      <p:transition/>
+    </mc:Fallback>
+  </mc:AlternateContent>
+  <p:timing>
+    <p:tnLst>
+      <p:par>
+        <p:cTn id="1" dur="indefinite" restart="never" nodeType="tmRoot"/>
+      </p:par>
+    </p:tnLst>
+  </p:timing>
+</p:sld>
+</file>
+
+<file path=ppt/slides/slide12.xml><?xml version="1.0" encoding="utf-8"?>
+<p:sld xmlns:a="http://schemas.openxmlformats.org/drawingml/2006/main" xmlns:r="http://schemas.openxmlformats.org/officeDocument/2006/relationships" xmlns:p="http://schemas.openxmlformats.org/presentationml/2006/main">
+  <p:cSld>
+    <p:spTree>
+      <p:nvGrpSpPr>
+        <p:cNvPr id="1" name=""/>
+        <p:cNvGrpSpPr/>
+        <p:nvPr/>
+      </p:nvGrpSpPr>
+      <p:grpSpPr>
+        <a:xfrm>
+          <a:off x="0" y="0"/>
+          <a:ext cx="0" cy="0"/>
+          <a:chOff x="0" y="0"/>
+          <a:chExt cx="0" cy="0"/>
+        </a:xfrm>
+      </p:grpSpPr>
+      <p:sp>
+        <p:nvSpPr>
+          <p:cNvPr id="2" name="Titel 1"/>
+          <p:cNvSpPr>
+            <a:spLocks noGrp="1"/>
+          </p:cNvSpPr>
+          <p:nvPr>
+            <p:ph type="title"/>
+          </p:nvPr>
+        </p:nvSpPr>
+        <p:spPr>
+          <a:xfrm>
+            <a:off x="838200" y="365125"/>
+            <a:ext cx="10515600" cy="829193"/>
+          </a:xfrm>
+        </p:spPr>
+        <p:txBody>
+          <a:bodyPr/>
+          <a:lstStyle/>
+          <a:p>
+            <a:r>
+              <a:rPr lang="en-US" b="1" dirty="0" smtClean="0"/>
+              <a:t>Planning Poker</a:t>
+            </a:r>
+            <a:endParaRPr lang="en-US" b="1" dirty="0"/>
+          </a:p>
+        </p:txBody>
+      </p:sp>
+      <p:pic>
+        <p:nvPicPr>
+          <p:cNvPr id="5" name="Inhaltsplatzhalter 4"/>
+          <p:cNvPicPr>
+            <a:picLocks noGrp="1" noChangeAspect="1"/>
+          </p:cNvPicPr>
+          <p:nvPr>
+            <p:ph sz="half" idx="1"/>
+          </p:nvPr>
+        </p:nvPicPr>
+        <p:blipFill>
+          <a:blip r:embed="rId3"/>
+          <a:stretch>
+            <a:fillRect/>
+          </a:stretch>
+        </p:blipFill>
+        <p:spPr>
+          <a:xfrm>
+            <a:off x="194388" y="1359093"/>
+            <a:ext cx="6534828" cy="4817869"/>
+          </a:xfrm>
+          <a:prstGeom prst="rect">
+            <a:avLst/>
+          </a:prstGeom>
+        </p:spPr>
+      </p:pic>
+      <p:sp>
+        <p:nvSpPr>
+          <p:cNvPr id="4" name="Inhaltsplatzhalter 3"/>
+          <p:cNvSpPr>
+            <a:spLocks noGrp="1"/>
+          </p:cNvSpPr>
+          <p:nvPr>
+            <p:ph sz="half" idx="2"/>
+          </p:nvPr>
+        </p:nvSpPr>
+        <p:spPr>
+          <a:xfrm>
+            <a:off x="6582747" y="1359092"/>
+            <a:ext cx="5181600" cy="4817869"/>
+          </a:xfrm>
+        </p:spPr>
+        <p:txBody>
+          <a:bodyPr>
+            <a:normAutofit/>
+          </a:bodyPr>
+          <a:lstStyle/>
+          <a:p>
+            <a:pPr marL="0" indent="0">
+              <a:buNone/>
+            </a:pPr>
+            <a:r>
+              <a:rPr lang="en-US" sz="3200" dirty="0" smtClean="0">
+                <a:sym typeface="Wingdings" panose="05000000000000000000" pitchFamily="2" charset="2"/>
+              </a:rPr>
+              <a:t>Deck </a:t>
+            </a:r>
+            <a:r>
+              <a:rPr lang="en-US" sz="3200" dirty="0" smtClean="0">
+                <a:sym typeface="Wingdings" panose="05000000000000000000" pitchFamily="2" charset="2"/>
+              </a:rPr>
+              <a:t>of 13 cards</a:t>
+            </a:r>
+          </a:p>
+          <a:p>
+            <a:pPr marL="0" indent="0">
+              <a:buNone/>
+            </a:pPr>
+            <a:r>
+              <a:rPr lang="en-US" sz="3200" dirty="0" smtClean="0">
+                <a:sym typeface="Wingdings" panose="05000000000000000000" pitchFamily="2" charset="2"/>
+              </a:rPr>
+              <a:t>Place </a:t>
+            </a:r>
+            <a:r>
+              <a:rPr lang="en-US" sz="3200" dirty="0" smtClean="0">
+                <a:sym typeface="Wingdings" panose="05000000000000000000" pitchFamily="2" charset="2"/>
+              </a:rPr>
+              <a:t>user story centered</a:t>
+            </a:r>
+          </a:p>
+          <a:p>
+            <a:pPr marL="0" indent="0">
+              <a:buNone/>
+            </a:pPr>
+            <a:r>
+              <a:rPr lang="en-US" sz="3200" dirty="0" smtClean="0">
+                <a:sym typeface="Wingdings" panose="05000000000000000000" pitchFamily="2" charset="2"/>
+              </a:rPr>
+              <a:t>Everyone </a:t>
+            </a:r>
+            <a:r>
+              <a:rPr lang="en-US" sz="3200" dirty="0" smtClean="0">
+                <a:sym typeface="Wingdings" panose="05000000000000000000" pitchFamily="2" charset="2"/>
+              </a:rPr>
+              <a:t>involved person </a:t>
+            </a:r>
+            <a:r>
+              <a:rPr lang="en-US" sz="3200" dirty="0" smtClean="0">
+                <a:sym typeface="Wingdings" panose="05000000000000000000" pitchFamily="2" charset="2"/>
+              </a:rPr>
+              <a:t>	plays </a:t>
+            </a:r>
+            <a:r>
+              <a:rPr lang="en-US" sz="3200" dirty="0" smtClean="0">
+                <a:sym typeface="Wingdings" panose="05000000000000000000" pitchFamily="2" charset="2"/>
+              </a:rPr>
+              <a:t>1 card</a:t>
+            </a:r>
+          </a:p>
+          <a:p>
+            <a:pPr marL="0" indent="0">
+              <a:buNone/>
+            </a:pPr>
+            <a:r>
+              <a:rPr lang="en-US" sz="3200" dirty="0">
+                <a:sym typeface="Wingdings" panose="05000000000000000000" pitchFamily="2" charset="2"/>
+              </a:rPr>
+              <a:t>Ask dev on opinion</a:t>
+            </a:r>
+            <a:endParaRPr lang="en-US" sz="3200" dirty="0" smtClean="0">
+              <a:sym typeface="Wingdings" panose="05000000000000000000" pitchFamily="2" charset="2"/>
+            </a:endParaRPr>
+          </a:p>
+          <a:p>
+            <a:pPr marL="0" indent="0">
+              <a:buNone/>
+            </a:pPr>
+            <a:r>
+              <a:rPr lang="en-US" sz="3200" dirty="0" smtClean="0">
+                <a:sym typeface="Wingdings" panose="05000000000000000000" pitchFamily="2" charset="2"/>
+              </a:rPr>
+              <a:t>Analyze the spread</a:t>
+            </a:r>
+          </a:p>
+          <a:p>
+            <a:pPr marL="0" indent="0">
+              <a:buNone/>
+            </a:pPr>
+            <a:endParaRPr lang="en-US" sz="1600" dirty="0">
+              <a:sym typeface="Wingdings" panose="05000000000000000000" pitchFamily="2" charset="2"/>
+            </a:endParaRPr>
+          </a:p>
+          <a:p>
+            <a:pPr marL="342900" indent="-342900">
+              <a:buAutoNum type="arabicPeriod"/>
+            </a:pPr>
+            <a:endParaRPr lang="en-US" sz="1600" dirty="0" smtClean="0">
+              <a:sym typeface="Wingdings" panose="05000000000000000000" pitchFamily="2" charset="2"/>
+            </a:endParaRPr>
+          </a:p>
+          <a:p>
+            <a:pPr marL="0" indent="0">
+              <a:buNone/>
+            </a:pPr>
+            <a:r>
+              <a:rPr lang="en-US" sz="1600" dirty="0" smtClean="0">
+                <a:sym typeface="Wingdings" panose="05000000000000000000" pitchFamily="2" charset="2"/>
+              </a:rPr>
+              <a:t> </a:t>
+            </a:r>
+          </a:p>
+          <a:p>
+            <a:pPr marL="0" indent="0">
+              <a:buNone/>
+            </a:pPr>
+            <a:r>
+              <a:rPr lang="en-US" sz="1600" dirty="0" smtClean="0">
+                <a:sym typeface="Wingdings" panose="05000000000000000000" pitchFamily="2" charset="2"/>
+              </a:rPr>
+              <a:t> </a:t>
+            </a:r>
+          </a:p>
+          <a:p>
+            <a:pPr marL="0" indent="0">
+              <a:buNone/>
+            </a:pPr>
+            <a:endParaRPr lang="en-US" sz="1600" dirty="0" smtClean="0">
+              <a:sym typeface="Wingdings" panose="05000000000000000000" pitchFamily="2" charset="2"/>
+            </a:endParaRPr>
+          </a:p>
+          <a:p>
+            <a:pPr marL="0" indent="0">
+              <a:buNone/>
+            </a:pPr>
+            <a:endParaRPr lang="en-US" sz="1600" dirty="0" smtClean="0">
+              <a:sym typeface="Wingdings" panose="05000000000000000000" pitchFamily="2" charset="2"/>
+            </a:endParaRPr>
+          </a:p>
+          <a:p>
+            <a:pPr marL="0" indent="0">
+              <a:buNone/>
+            </a:pPr>
+            <a:endParaRPr lang="en-US" sz="1600" dirty="0" smtClean="0"/>
+          </a:p>
+        </p:txBody>
+      </p:sp>
+    </p:spTree>
+    <p:extLst>
+      <p:ext uri="{BB962C8B-B14F-4D97-AF65-F5344CB8AC3E}">
+        <p14:creationId xmlns:p14="http://schemas.microsoft.com/office/powerpoint/2010/main" val="3823025266"/>
+      </p:ext>
+    </p:extLst>
+  </p:cSld>
+  <p:clrMapOvr>
+    <a:masterClrMapping/>
+  </p:clrMapOvr>
+  <mc:AlternateContent xmlns:mc="http://schemas.openxmlformats.org/markup-compatibility/2006">
+    <mc:Choice xmlns:p14="http://schemas.microsoft.com/office/powerpoint/2010/main" Requires="p14">
+      <p:transition p14:dur="0"/>
+    </mc:Choice>
+    <mc:Fallback>
+      <p:transition/>
+    </mc:Fallback>
+  </mc:AlternateContent>
+  <p:timing>
+    <p:tnLst>
+      <p:par>
+        <p:cTn id="1" dur="indefinite" restart="never" nodeType="tmRoot"/>
+      </p:par>
+    </p:tnLst>
+  </p:timing>
+</p:sld>
+</file>
+
+<file path=ppt/slides/slide13.xml><?xml version="1.0" encoding="utf-8"?>
+<p:sld xmlns:a="http://schemas.openxmlformats.org/drawingml/2006/main" xmlns:r="http://schemas.openxmlformats.org/officeDocument/2006/relationships" xmlns:p="http://schemas.openxmlformats.org/presentationml/2006/main">
+  <p:cSld>
+    <p:spTree>
+      <p:nvGrpSpPr>
+        <p:cNvPr id="1" name=""/>
+        <p:cNvGrpSpPr/>
+        <p:nvPr/>
+      </p:nvGrpSpPr>
+      <p:grpSpPr>
+        <a:xfrm>
+          <a:off x="0" y="0"/>
+          <a:ext cx="0" cy="0"/>
+          <a:chOff x="0" y="0"/>
+          <a:chExt cx="0" cy="0"/>
+        </a:xfrm>
+      </p:grpSpPr>
+      <p:sp>
+        <p:nvSpPr>
+          <p:cNvPr id="5" name="Titel 4"/>
+          <p:cNvSpPr>
+            <a:spLocks noGrp="1"/>
+          </p:cNvSpPr>
+          <p:nvPr>
+            <p:ph type="title"/>
+          </p:nvPr>
+        </p:nvSpPr>
+        <p:spPr/>
+        <p:txBody>
+          <a:bodyPr/>
+          <a:lstStyle/>
+          <a:p>
+            <a:r>
+              <a:rPr lang="en-US" b="1" dirty="0" smtClean="0"/>
+              <a:t>Planning Poker – Analyze</a:t>
+            </a:r>
+            <a:endParaRPr lang="en-US" b="1" dirty="0"/>
+          </a:p>
+        </p:txBody>
+      </p:sp>
+      <p:sp>
+        <p:nvSpPr>
+          <p:cNvPr id="6" name="Inhaltsplatzhalter 5"/>
+          <p:cNvSpPr>
+            <a:spLocks noGrp="1"/>
+          </p:cNvSpPr>
+          <p:nvPr>
+            <p:ph idx="1"/>
+          </p:nvPr>
+        </p:nvSpPr>
+        <p:spPr/>
+        <p:txBody>
+          <a:bodyPr>
+            <a:normAutofit/>
+          </a:bodyPr>
+          <a:lstStyle/>
+          <a:p>
+            <a:pPr marL="0" indent="0">
+              <a:buNone/>
+            </a:pPr>
+            <a:r>
+              <a:rPr lang="en-US" sz="3200" dirty="0" smtClean="0"/>
+              <a:t>Large spread:</a:t>
+            </a:r>
+          </a:p>
+          <a:p>
+            <a:pPr>
+              <a:buFont typeface="Wingdings" panose="05000000000000000000" pitchFamily="2" charset="2"/>
+              <a:buChar char="à"/>
+            </a:pPr>
+            <a:r>
+              <a:rPr lang="en-US" sz="3200" dirty="0" smtClean="0">
+                <a:sym typeface="Wingdings" panose="05000000000000000000" pitchFamily="2" charset="2"/>
+              </a:rPr>
+              <a:t>Less confidence</a:t>
+            </a:r>
+          </a:p>
+          <a:p>
+            <a:pPr>
+              <a:buFont typeface="Wingdings" panose="05000000000000000000" pitchFamily="2" charset="2"/>
+              <a:buChar char="à"/>
+            </a:pPr>
+            <a:r>
+              <a:rPr lang="en-US" sz="3200" dirty="0" smtClean="0">
+                <a:sym typeface="Wingdings" panose="05000000000000000000" pitchFamily="2" charset="2"/>
+              </a:rPr>
+              <a:t>Clarify with customer</a:t>
+            </a:r>
+          </a:p>
+          <a:p>
+            <a:pPr marL="0" indent="0">
+              <a:buNone/>
+            </a:pPr>
+            <a:r>
+              <a:rPr lang="en-US" sz="3200" dirty="0" smtClean="0">
+                <a:sym typeface="Wingdings" panose="05000000000000000000" pitchFamily="2" charset="2"/>
+              </a:rPr>
+              <a:t>Possible </a:t>
+            </a:r>
+            <a:r>
+              <a:rPr lang="en-US" sz="3200" dirty="0" smtClean="0">
+                <a:sym typeface="Wingdings" panose="05000000000000000000" pitchFamily="2" charset="2"/>
+              </a:rPr>
+              <a:t>misunderstanding of user story</a:t>
+            </a:r>
+          </a:p>
+          <a:p>
+            <a:pPr marL="0" indent="0">
+              <a:buNone/>
+            </a:pPr>
+            <a:endParaRPr lang="en-US" sz="3200" dirty="0">
+              <a:sym typeface="Wingdings" panose="05000000000000000000" pitchFamily="2" charset="2"/>
+            </a:endParaRPr>
+          </a:p>
+          <a:p>
+            <a:pPr marL="0" indent="0">
+              <a:buNone/>
+            </a:pPr>
+            <a:r>
+              <a:rPr lang="en-US" sz="3200" dirty="0" smtClean="0">
+                <a:sym typeface="Wingdings" panose="05000000000000000000" pitchFamily="2" charset="2"/>
+              </a:rPr>
+              <a:t>Every surviving assumptions is a </a:t>
+            </a:r>
+            <a:r>
+              <a:rPr lang="en-US" sz="3200" dirty="0" smtClean="0">
+                <a:sym typeface="Wingdings" panose="05000000000000000000" pitchFamily="2" charset="2"/>
+              </a:rPr>
+              <a:t>RISK:</a:t>
+            </a:r>
+            <a:endParaRPr lang="en-US" sz="3200" dirty="0" smtClean="0">
+              <a:sym typeface="Wingdings" panose="05000000000000000000" pitchFamily="2" charset="2"/>
+            </a:endParaRPr>
+          </a:p>
+          <a:p>
+            <a:pPr marL="0" indent="0">
+              <a:buNone/>
+            </a:pPr>
+            <a:r>
+              <a:rPr lang="en-US" sz="3200" dirty="0" smtClean="0">
+                <a:sym typeface="Wingdings" panose="05000000000000000000" pitchFamily="2" charset="2"/>
+              </a:rPr>
+              <a:t>Try </a:t>
+            </a:r>
+            <a:r>
+              <a:rPr lang="en-US" sz="3200" dirty="0" smtClean="0">
+                <a:sym typeface="Wingdings" panose="05000000000000000000" pitchFamily="2" charset="2"/>
+              </a:rPr>
+              <a:t>to eliminate as most as </a:t>
+            </a:r>
+            <a:r>
+              <a:rPr lang="en-US" sz="3200" dirty="0" smtClean="0">
+                <a:sym typeface="Wingdings" panose="05000000000000000000" pitchFamily="2" charset="2"/>
+              </a:rPr>
+              <a:t>possible</a:t>
+            </a:r>
+            <a:endParaRPr lang="en-US" sz="3200" dirty="0"/>
+          </a:p>
+        </p:txBody>
+      </p:sp>
+    </p:spTree>
+    <p:extLst>
+      <p:ext uri="{BB962C8B-B14F-4D97-AF65-F5344CB8AC3E}">
+        <p14:creationId xmlns:p14="http://schemas.microsoft.com/office/powerpoint/2010/main" val="762090348"/>
+      </p:ext>
+    </p:extLst>
+  </p:cSld>
+  <p:clrMapOvr>
+    <a:masterClrMapping/>
+  </p:clrMapOvr>
+  <mc:AlternateContent xmlns:mc="http://schemas.openxmlformats.org/markup-compatibility/2006">
+    <mc:Choice xmlns:p14="http://schemas.microsoft.com/office/powerpoint/2010/main" Requires="p14">
+      <p:transition p14:dur="0"/>
+    </mc:Choice>
+    <mc:Fallback>
+      <p:transition/>
+    </mc:Fallback>
+  </mc:AlternateContent>
+  <p:timing>
+    <p:tnLst>
+      <p:par>
+        <p:cTn id="1" dur="indefinite" restart="never" nodeType="tmRoot"/>
+      </p:par>
+    </p:tnLst>
+  </p:timing>
+</p:sld>
+</file>
+
+<file path=ppt/slides/slide14.xml><?xml version="1.0" encoding="utf-8"?>
+<p:sld xmlns:a="http://schemas.openxmlformats.org/drawingml/2006/main" xmlns:r="http://schemas.openxmlformats.org/officeDocument/2006/relationships" xmlns:p="http://schemas.openxmlformats.org/presentationml/2006/main">
+  <p:cSld>
+    <p:spTree>
+      <p:nvGrpSpPr>
+        <p:cNvPr id="1" name=""/>
+        <p:cNvGrpSpPr/>
+        <p:nvPr/>
+      </p:nvGrpSpPr>
+      <p:grpSpPr>
+        <a:xfrm>
+          <a:off x="0" y="0"/>
+          <a:ext cx="0" cy="0"/>
+          <a:chOff x="0" y="0"/>
+          <a:chExt cx="0" cy="0"/>
+        </a:xfrm>
+      </p:grpSpPr>
+      <p:sp>
+        <p:nvSpPr>
+          <p:cNvPr id="2" name="Titel 1"/>
+          <p:cNvSpPr>
+            <a:spLocks noGrp="1"/>
+          </p:cNvSpPr>
+          <p:nvPr>
+            <p:ph type="title"/>
+          </p:nvPr>
+        </p:nvSpPr>
+        <p:spPr/>
+        <p:txBody>
+          <a:bodyPr/>
+          <a:lstStyle/>
+          <a:p>
+            <a:r>
+              <a:rPr lang="en-US" b="1" dirty="0" smtClean="0"/>
+              <a:t>Use customer effective	</a:t>
+            </a:r>
+            <a:endParaRPr lang="en-US" b="1" dirty="0"/>
+          </a:p>
+        </p:txBody>
+      </p:sp>
+      <p:sp>
+        <p:nvSpPr>
+          <p:cNvPr id="3" name="Inhaltsplatzhalter 2"/>
+          <p:cNvSpPr>
+            <a:spLocks noGrp="1"/>
+          </p:cNvSpPr>
+          <p:nvPr>
+            <p:ph idx="1"/>
+          </p:nvPr>
+        </p:nvSpPr>
+        <p:spPr/>
+        <p:txBody>
+          <a:bodyPr>
+            <a:normAutofit/>
+          </a:bodyPr>
+          <a:lstStyle/>
+          <a:p>
+            <a:r>
+              <a:rPr lang="en-US" sz="3200" dirty="0" smtClean="0"/>
+              <a:t>Value customers time</a:t>
+            </a:r>
+          </a:p>
+          <a:p>
+            <a:r>
+              <a:rPr lang="en-US" sz="3200" dirty="0" smtClean="0"/>
+              <a:t>Focus on assumptions</a:t>
+            </a:r>
+          </a:p>
+          <a:p>
+            <a:r>
+              <a:rPr lang="en-US" sz="3200" dirty="0" smtClean="0"/>
+              <a:t>Head back to planning poker with answers</a:t>
+            </a:r>
+          </a:p>
+        </p:txBody>
+      </p:sp>
+    </p:spTree>
+    <p:extLst>
+      <p:ext uri="{BB962C8B-B14F-4D97-AF65-F5344CB8AC3E}">
+        <p14:creationId xmlns:p14="http://schemas.microsoft.com/office/powerpoint/2010/main" val="1699309543"/>
+      </p:ext>
+    </p:extLst>
+  </p:cSld>
+  <p:clrMapOvr>
+    <a:masterClrMapping/>
+  </p:clrMapOvr>
+  <mc:AlternateContent xmlns:mc="http://schemas.openxmlformats.org/markup-compatibility/2006">
+    <mc:Choice xmlns:p14="http://schemas.microsoft.com/office/powerpoint/2010/main" Requires="p14">
+      <p:transition p14:dur="0"/>
+    </mc:Choice>
+    <mc:Fallback>
+      <p:transition/>
+    </mc:Fallback>
+  </mc:AlternateContent>
+  <p:timing>
+    <p:tnLst>
+      <p:par>
+        <p:cTn id="1" dur="indefinite" restart="never" nodeType="tmRoot"/>
+      </p:par>
+    </p:tnLst>
+  </p:timing>
+</p:sld>
+</file>
+
+<file path=ppt/slides/slide15.xml><?xml version="1.0" encoding="utf-8"?>
+<p:sld xmlns:a="http://schemas.openxmlformats.org/drawingml/2006/main" xmlns:r="http://schemas.openxmlformats.org/officeDocument/2006/relationships" xmlns:p="http://schemas.openxmlformats.org/presentationml/2006/main">
+  <p:cSld>
+    <p:spTree>
+      <p:nvGrpSpPr>
+        <p:cNvPr id="1" name=""/>
+        <p:cNvGrpSpPr/>
+        <p:nvPr/>
+      </p:nvGrpSpPr>
+      <p:grpSpPr>
+        <a:xfrm>
+          <a:off x="0" y="0"/>
+          <a:ext cx="0" cy="0"/>
+          <a:chOff x="0" y="0"/>
+          <a:chExt cx="0" cy="0"/>
+        </a:xfrm>
+      </p:grpSpPr>
+      <p:sp>
+        <p:nvSpPr>
           <p:cNvPr id="2" name="Titel 1"/>
           <p:cNvSpPr>
             <a:spLocks noGrp="1"/>
@@ -3473,20 +4791,34 @@
         </p:nvSpPr>
         <p:spPr/>
         <p:txBody>
-          <a:bodyPr/>
-          <a:lstStyle/>
-          <a:p>
-            <a:r>
-              <a:rPr lang="en-US" dirty="0" smtClean="0"/>
+          <a:bodyPr>
+            <a:normAutofit/>
+          </a:bodyPr>
+          <a:lstStyle/>
+          <a:p>
+            <a:r>
+              <a:rPr lang="en-US" sz="3200" dirty="0" smtClean="0"/>
               <a:t>Big estimate is bad estimate</a:t>
             </a:r>
           </a:p>
           <a:p>
             <a:r>
-              <a:rPr lang="en-US" dirty="0" smtClean="0">
+              <a:rPr lang="en-US" sz="3200" dirty="0">
                 <a:sym typeface="Wingdings" panose="05000000000000000000" pitchFamily="2" charset="2"/>
               </a:rPr>
-              <a:t>should not be longer than 1 month (20working days)</a:t>
+              <a:t>S</a:t>
+            </a:r>
+            <a:r>
+              <a:rPr lang="en-US" sz="3200" dirty="0" smtClean="0">
+                <a:sym typeface="Wingdings" panose="05000000000000000000" pitchFamily="2" charset="2"/>
+              </a:rPr>
+              <a:t>hould </a:t>
+            </a:r>
+            <a:r>
+              <a:rPr lang="en-US" sz="3200" dirty="0" smtClean="0">
+                <a:sym typeface="Wingdings" panose="05000000000000000000" pitchFamily="2" charset="2"/>
+              </a:rPr>
+              <a:t>not be longer than 1 month (20working days)</a:t>
             </a:r>
           </a:p>
           <a:p>
@@ -3494,35 +4826,62 @@
               <a:buNone/>
             </a:pPr>
             <a:r>
-              <a:rPr lang="en-US" dirty="0">
+              <a:rPr lang="en-US" sz="3200" dirty="0">
                 <a:sym typeface="Wingdings" panose="05000000000000000000" pitchFamily="2" charset="2"/>
               </a:rPr>
               <a:t>	</a:t>
             </a:r>
             <a:r>
-              <a:rPr lang="en-US" dirty="0" smtClean="0">
+              <a:rPr lang="en-US" sz="3200" dirty="0" smtClean="0">
                 <a:sym typeface="Wingdings" panose="05000000000000000000" pitchFamily="2" charset="2"/>
               </a:rPr>
-              <a:t>long estimates need a lot of meetings and communication</a:t>
-            </a:r>
+              <a:t>Long </a:t>
+            </a:r>
+            <a:r>
+              <a:rPr lang="en-US" sz="3200" dirty="0" smtClean="0">
+                <a:sym typeface="Wingdings" panose="05000000000000000000" pitchFamily="2" charset="2"/>
+              </a:rPr>
+              <a:t>estimates need a lot of meetings and </a:t>
+            </a:r>
+            <a:r>
+              <a:rPr lang="en-US" sz="3200" dirty="0" smtClean="0">
+                <a:sym typeface="Wingdings" panose="05000000000000000000" pitchFamily="2" charset="2"/>
+              </a:rPr>
+              <a:t>				communication</a:t>
+            </a:r>
+            <a:endParaRPr lang="en-US" sz="3200" dirty="0" smtClean="0">
+              <a:sym typeface="Wingdings" panose="05000000000000000000" pitchFamily="2" charset="2"/>
+            </a:endParaRPr>
           </a:p>
           <a:p>
             <a:pPr marL="0" indent="0">
               <a:buNone/>
             </a:pPr>
             <a:r>
-              <a:rPr lang="en-US" dirty="0">
+              <a:rPr lang="en-US" sz="3200" dirty="0">
                 <a:sym typeface="Wingdings" panose="05000000000000000000" pitchFamily="2" charset="2"/>
               </a:rPr>
               <a:t>	</a:t>
             </a:r>
             <a:r>
-              <a:rPr lang="en-US" dirty="0" smtClean="0">
+              <a:rPr lang="en-US" sz="3200" dirty="0" smtClean="0">
                 <a:sym typeface="Wingdings" panose="05000000000000000000" pitchFamily="2" charset="2"/>
               </a:rPr>
-              <a:t>estimates longer than 15 days are much less likely to be 		    accurate</a:t>
-            </a:r>
-            <a:endParaRPr lang="en-US" dirty="0"/>
+              <a:t>Estimates </a:t>
+            </a:r>
+            <a:r>
+              <a:rPr lang="en-US" sz="3200" dirty="0" smtClean="0">
+                <a:sym typeface="Wingdings" panose="05000000000000000000" pitchFamily="2" charset="2"/>
+              </a:rPr>
+              <a:t>longer than 15 days are much less likely to </a:t>
+            </a:r>
+            <a:r>
+              <a:rPr lang="en-US" sz="3200" dirty="0" smtClean="0">
+                <a:sym typeface="Wingdings" panose="05000000000000000000" pitchFamily="2" charset="2"/>
+              </a:rPr>
+              <a:t>			be accurate</a:t>
+            </a:r>
+            <a:endParaRPr lang="en-US" sz="3200" dirty="0"/>
           </a:p>
         </p:txBody>
       </p:sp>
@@ -3536,9 +4895,14 @@
   <p:clrMapOvr>
     <a:masterClrMapping/>
   </p:clrMapOvr>
-  <p:transition spd="slow">
-    <p:push dir="u"/>
-  </p:transition>
+  <mc:AlternateContent xmlns:mc="http://schemas.openxmlformats.org/markup-compatibility/2006">
+    <mc:Choice xmlns:p14="http://schemas.microsoft.com/office/powerpoint/2010/main" Requires="p14">
+      <p:transition p14:dur="0"/>
+    </mc:Choice>
+    <mc:Fallback>
+      <p:transition/>
+    </mc:Fallback>
+  </mc:AlternateContent>
   <p:timing>
     <p:tnLst>
       <p:par>
@@ -3778,7 +5142,7 @@
 </p:sld>
 </file>
 
-<file path=ppt/slides/slide2.xml><?xml version="1.0" encoding="utf-8"?>
+<file path=ppt/slides/slide16.xml><?xml version="1.0" encoding="utf-8"?>
 <p:sld xmlns:a="http://schemas.openxmlformats.org/drawingml/2006/main" xmlns:r="http://schemas.openxmlformats.org/officeDocument/2006/relationships" xmlns:p="http://schemas.openxmlformats.org/presentationml/2006/main">
   <p:cSld>
     <p:spTree>
@@ -3838,15 +5202,15 @@
               <a:buAutoNum type="arabicParenR"/>
             </a:pPr>
             <a:r>
-              <a:rPr lang="en-US" dirty="0" smtClean="0"/>
+              <a:rPr lang="en-US" sz="3200" dirty="0" smtClean="0"/>
               <a:t>Break </a:t>
             </a:r>
             <a:r>
-              <a:rPr lang="en-US" dirty="0"/>
+              <a:rPr lang="en-US" sz="3200" dirty="0"/>
               <a:t>your story into smaller </a:t>
             </a:r>
             <a:r>
-              <a:rPr lang="en-US" dirty="0" smtClean="0"/>
+              <a:rPr lang="en-US" sz="3200" dirty="0" smtClean="0"/>
               <a:t>stories</a:t>
             </a:r>
           </a:p>
@@ -3856,11 +5220,11 @@
               <a:buAutoNum type="arabicParenR"/>
             </a:pPr>
             <a:r>
-              <a:rPr lang="en-US" dirty="0" smtClean="0"/>
+              <a:rPr lang="en-US" sz="3200" dirty="0" smtClean="0"/>
               <a:t>Talk </a:t>
             </a:r>
             <a:r>
-              <a:rPr lang="en-US" dirty="0"/>
+              <a:rPr lang="en-US" sz="3200" dirty="0"/>
               <a:t>to the customer again to clarify things</a:t>
             </a:r>
           </a:p>
@@ -3945,7 +5309,6 @@
               <a:rPr lang="en-US" sz="4000" dirty="0"/>
               <a:t>any user story that has an AND in their title can be split</a:t>
             </a:r>
-            <a:endParaRPr lang="en-US" sz="4000" dirty="0"/>
           </a:p>
         </p:txBody>
       </p:sp>
@@ -3959,6 +5322,14 @@
   <p:clrMapOvr>
     <a:masterClrMapping/>
   </p:clrMapOvr>
+  <mc:AlternateContent xmlns:mc="http://schemas.openxmlformats.org/markup-compatibility/2006">
+    <mc:Choice xmlns:p14="http://schemas.microsoft.com/office/powerpoint/2010/main" Requires="p14">
+      <p:transition p14:dur="0"/>
+    </mc:Choice>
+    <mc:Fallback>
+      <p:transition/>
+    </mc:Fallback>
+  </mc:AlternateContent>
   <p:timing>
     <p:tnLst>
       <p:par>
@@ -4048,7 +5419,7 @@
 </p:sld>
 </file>
 
-<file path=ppt/slides/slide3.xml><?xml version="1.0" encoding="utf-8"?>
+<file path=ppt/slides/slide17.xml><?xml version="1.0" encoding="utf-8"?>
 <p:sld xmlns:a="http://schemas.openxmlformats.org/drawingml/2006/main" xmlns:r="http://schemas.openxmlformats.org/officeDocument/2006/relationships" xmlns:p="http://schemas.openxmlformats.org/presentationml/2006/main">
   <p:cSld>
     <p:spTree>
@@ -4368,6 +5739,14 @@
   <p:clrMapOvr>
     <a:masterClrMapping/>
   </p:clrMapOvr>
+  <mc:AlternateContent xmlns:mc="http://schemas.openxmlformats.org/markup-compatibility/2006">
+    <mc:Choice xmlns:p14="http://schemas.microsoft.com/office/powerpoint/2010/main" Requires="p14">
+      <p:transition p14:dur="0"/>
+    </mc:Choice>
+    <mc:Fallback>
+      <p:transition/>
+    </mc:Fallback>
+  </mc:AlternateContent>
   <p:timing>
     <p:tnLst>
       <p:par>
@@ -4565,7 +5944,7 @@
 </p:sld>
 </file>
 
-<file path=ppt/slides/slide4.xml><?xml version="1.0" encoding="utf-8"?>
+<file path=ppt/slides/slide18.xml><?xml version="1.0" encoding="utf-8"?>
 <p:sld xmlns:a="http://schemas.openxmlformats.org/drawingml/2006/main" xmlns:r="http://schemas.openxmlformats.org/officeDocument/2006/relationships" xmlns:p="http://schemas.openxmlformats.org/presentationml/2006/main">
   <p:cSld>
     <p:spTree>
@@ -4622,14 +6001,30 @@
           <a:lstStyle/>
           <a:p>
             <a:r>
-              <a:rPr lang="en-US" dirty="0" smtClean="0"/>
-              <a:t>discuss in your team to find a good Compromise</a:t>
-            </a:r>
-          </a:p>
-          <a:p>
-            <a:r>
-              <a:rPr lang="en-US" dirty="0" smtClean="0"/>
-              <a:t>get rid of as much assumptions as you can</a:t>
+              <a:rPr lang="en-US" sz="3200" dirty="0"/>
+              <a:t>D</a:t>
+            </a:r>
+            <a:r>
+              <a:rPr lang="en-US" sz="3200" dirty="0" smtClean="0"/>
+              <a:t>iscuss </a:t>
+            </a:r>
+            <a:r>
+              <a:rPr lang="en-US" sz="3200" dirty="0" smtClean="0"/>
+              <a:t>in your team to find a good Compromise</a:t>
+            </a:r>
+          </a:p>
+          <a:p>
+            <a:r>
+              <a:rPr lang="en-US" sz="3200" dirty="0"/>
+              <a:t>G</a:t>
+            </a:r>
+            <a:r>
+              <a:rPr lang="en-US" sz="3200" dirty="0" smtClean="0"/>
+              <a:t>et </a:t>
+            </a:r>
+            <a:r>
+              <a:rPr lang="en-US" sz="3200" dirty="0" smtClean="0"/>
+              <a:t>rid of as much assumptions as you can</a:t>
             </a:r>
           </a:p>
           <a:p>
@@ -4643,8 +6038,12 @@
               <a:buNone/>
             </a:pPr>
             <a:r>
+              <a:rPr lang="en-US" sz="3200" dirty="0" smtClean="0"/>
+              <a:t>GOAL</a:t>
+            </a:r>
+            <a:r>
               <a:rPr lang="en-US" dirty="0" smtClean="0"/>
-              <a:t>GOAL </a:t>
+              <a:t> </a:t>
             </a:r>
             <a:r>
               <a:rPr lang="en-US" dirty="0" smtClean="0">
@@ -4724,6 +6123,14 @@
   <p:clrMapOvr>
     <a:masterClrMapping/>
   </p:clrMapOvr>
+  <mc:AlternateContent xmlns:mc="http://schemas.openxmlformats.org/markup-compatibility/2006">
+    <mc:Choice xmlns:p14="http://schemas.microsoft.com/office/powerpoint/2010/main" Requires="p14">
+      <p:transition p14:dur="0"/>
+    </mc:Choice>
+    <mc:Fallback>
+      <p:transition/>
+    </mc:Fallback>
+  </mc:AlternateContent>
   <p:timing>
     <p:tnLst>
       <p:par>
@@ -4859,6 +6266,1709 @@
 </p:sld>
 </file>
 
+<file path=ppt/slides/slide19.xml><?xml version="1.0" encoding="utf-8"?>
+<p:sld xmlns:a="http://schemas.openxmlformats.org/drawingml/2006/main" xmlns:r="http://schemas.openxmlformats.org/officeDocument/2006/relationships" xmlns:p="http://schemas.openxmlformats.org/presentationml/2006/main">
+  <p:cSld>
+    <p:spTree>
+      <p:nvGrpSpPr>
+        <p:cNvPr id="1" name=""/>
+        <p:cNvGrpSpPr/>
+        <p:nvPr/>
+      </p:nvGrpSpPr>
+      <p:grpSpPr>
+        <a:xfrm>
+          <a:off x="0" y="0"/>
+          <a:ext cx="0" cy="0"/>
+          <a:chOff x="0" y="0"/>
+          <a:chExt cx="0" cy="0"/>
+        </a:xfrm>
+      </p:grpSpPr>
+      <p:sp>
+        <p:nvSpPr>
+          <p:cNvPr id="2" name="Titel 1"/>
+          <p:cNvSpPr>
+            <a:spLocks noGrp="1"/>
+          </p:cNvSpPr>
+          <p:nvPr>
+            <p:ph type="title"/>
+          </p:nvPr>
+        </p:nvSpPr>
+        <p:spPr/>
+        <p:txBody>
+          <a:bodyPr/>
+          <a:lstStyle/>
+          <a:p>
+            <a:pPr algn="ctr"/>
+            <a:r>
+              <a:rPr lang="en-US" b="1" dirty="0" smtClean="0"/>
+              <a:t>(basic) Circle to a good consensus</a:t>
+            </a:r>
+            <a:endParaRPr lang="en-US" b="1" dirty="0"/>
+          </a:p>
+        </p:txBody>
+      </p:sp>
+      <p:sp>
+        <p:nvSpPr>
+          <p:cNvPr id="3" name="Inhaltsplatzhalter 2"/>
+          <p:cNvSpPr>
+            <a:spLocks noGrp="1"/>
+          </p:cNvSpPr>
+          <p:nvPr>
+            <p:ph idx="1"/>
+          </p:nvPr>
+        </p:nvSpPr>
+        <p:spPr/>
+        <p:txBody>
+          <a:bodyPr/>
+          <a:lstStyle/>
+          <a:p>
+            <a:pPr marL="514350" indent="-514350">
+              <a:buAutoNum type="arabicParenR"/>
+            </a:pPr>
+            <a:r>
+              <a:rPr lang="en-US" dirty="0" smtClean="0"/>
+              <a:t>Talk to customer</a:t>
+            </a:r>
+          </a:p>
+          <a:p>
+            <a:pPr marL="514350" indent="-514350">
+              <a:buAutoNum type="arabicParenR"/>
+            </a:pPr>
+            <a:r>
+              <a:rPr lang="en-US" dirty="0"/>
+              <a:t>D</a:t>
+            </a:r>
+            <a:r>
+              <a:rPr lang="en-US" dirty="0" smtClean="0"/>
+              <a:t>iscuss </a:t>
+            </a:r>
+            <a:r>
+              <a:rPr lang="en-US" dirty="0" smtClean="0"/>
+              <a:t>with the team and get their </a:t>
+            </a:r>
+            <a:r>
+              <a:rPr lang="en-US" dirty="0" smtClean="0"/>
+              <a:t>opinions </a:t>
+            </a:r>
+            <a:r>
+              <a:rPr lang="en-US" dirty="0" smtClean="0"/>
+              <a:t>(Planning Poker)</a:t>
+            </a:r>
+          </a:p>
+          <a:p>
+            <a:pPr marL="514350" indent="-514350">
+              <a:buAutoNum type="arabicParenR"/>
+            </a:pPr>
+            <a:r>
+              <a:rPr lang="en-US" dirty="0" smtClean="0"/>
+              <a:t>Clarify </a:t>
+            </a:r>
+            <a:r>
+              <a:rPr lang="en-US" dirty="0" smtClean="0"/>
+              <a:t>assumptions</a:t>
+            </a:r>
+          </a:p>
+          <a:p>
+            <a:pPr lvl="1">
+              <a:buFont typeface="Wingdings" panose="05000000000000000000" pitchFamily="2" charset="2"/>
+              <a:buChar char="à"/>
+            </a:pPr>
+            <a:r>
+              <a:rPr lang="en-US" dirty="0">
+                <a:sym typeface="Wingdings" panose="05000000000000000000" pitchFamily="2" charset="2"/>
+              </a:rPr>
+              <a:t>G</a:t>
+            </a:r>
+            <a:r>
+              <a:rPr lang="en-US" dirty="0" smtClean="0">
+                <a:sym typeface="Wingdings" panose="05000000000000000000" pitchFamily="2" charset="2"/>
+              </a:rPr>
+              <a:t>o </a:t>
+            </a:r>
+            <a:r>
+              <a:rPr lang="en-US" dirty="0" smtClean="0">
+                <a:sym typeface="Wingdings" panose="05000000000000000000" pitchFamily="2" charset="2"/>
+              </a:rPr>
+              <a:t>to step 1 if assumptions can only be </a:t>
+            </a:r>
+            <a:r>
+              <a:rPr lang="en-US" dirty="0" smtClean="0">
+                <a:sym typeface="Wingdings" panose="05000000000000000000" pitchFamily="2" charset="2"/>
+              </a:rPr>
+              <a:t>clarified </a:t>
+            </a:r>
+            <a:r>
+              <a:rPr lang="en-US" dirty="0" smtClean="0">
+                <a:sym typeface="Wingdings" panose="05000000000000000000" pitchFamily="2" charset="2"/>
+              </a:rPr>
+              <a:t>by the customer</a:t>
+            </a:r>
+          </a:p>
+          <a:p>
+            <a:pPr marL="457200" lvl="1" indent="0">
+              <a:buNone/>
+            </a:pPr>
+            <a:endParaRPr lang="en-US" dirty="0" smtClean="0"/>
+          </a:p>
+          <a:p>
+            <a:pPr marL="0" indent="0">
+              <a:buNone/>
+            </a:pPr>
+            <a:r>
+              <a:rPr lang="en-US" dirty="0" smtClean="0">
+                <a:sym typeface="Wingdings" panose="05000000000000000000" pitchFamily="2" charset="2"/>
+              </a:rPr>
+              <a:t>Goal:  </a:t>
+            </a:r>
+            <a:r>
+              <a:rPr lang="en-US" dirty="0" smtClean="0">
+                <a:sym typeface="Wingdings" panose="05000000000000000000" pitchFamily="2" charset="2"/>
+              </a:rPr>
+              <a:t>Everyone's </a:t>
+            </a:r>
+            <a:r>
+              <a:rPr lang="en-US" dirty="0" smtClean="0">
+                <a:sym typeface="Wingdings" panose="05000000000000000000" pitchFamily="2" charset="2"/>
+              </a:rPr>
+              <a:t>estimates are close so you can agree on one final 	estimate</a:t>
+            </a:r>
+            <a:r>
+              <a:rPr lang="en-US" dirty="0">
+                <a:sym typeface="Wingdings" panose="05000000000000000000" pitchFamily="2" charset="2"/>
+              </a:rPr>
+              <a:t>	</a:t>
+            </a:r>
+            <a:endParaRPr lang="en-US" dirty="0" smtClean="0">
+              <a:sym typeface="Wingdings" panose="05000000000000000000" pitchFamily="2" charset="2"/>
+            </a:endParaRPr>
+          </a:p>
+          <a:p>
+            <a:pPr marL="457200" lvl="1" indent="0">
+              <a:buNone/>
+            </a:pPr>
+            <a:endParaRPr lang="en-US" dirty="0" smtClean="0">
+              <a:sym typeface="Wingdings" panose="05000000000000000000" pitchFamily="2" charset="2"/>
+            </a:endParaRPr>
+          </a:p>
+        </p:txBody>
+      </p:sp>
+    </p:spTree>
+    <p:extLst>
+      <p:ext uri="{BB962C8B-B14F-4D97-AF65-F5344CB8AC3E}">
+        <p14:creationId xmlns:p14="http://schemas.microsoft.com/office/powerpoint/2010/main" val="3583062658"/>
+      </p:ext>
+    </p:extLst>
+  </p:cSld>
+  <p:clrMapOvr>
+    <a:masterClrMapping/>
+  </p:clrMapOvr>
+  <mc:AlternateContent xmlns:mc="http://schemas.openxmlformats.org/markup-compatibility/2006">
+    <mc:Choice xmlns:p14="http://schemas.microsoft.com/office/powerpoint/2010/main" Requires="p14">
+      <p:transition p14:dur="0"/>
+    </mc:Choice>
+    <mc:Fallback>
+      <p:transition/>
+    </mc:Fallback>
+  </mc:AlternateContent>
+  <p:timing>
+    <p:tnLst>
+      <p:par>
+        <p:cTn id="1" dur="indefinite" restart="never" nodeType="tmRoot"/>
+      </p:par>
+    </p:tnLst>
+  </p:timing>
+</p:sld>
+</file>
+
+<file path=ppt/slides/slide2.xml><?xml version="1.0" encoding="utf-8"?>
+<p:sld xmlns:a="http://schemas.openxmlformats.org/drawingml/2006/main" xmlns:r="http://schemas.openxmlformats.org/officeDocument/2006/relationships" xmlns:p="http://schemas.openxmlformats.org/presentationml/2006/main">
+  <p:cSld>
+    <p:spTree>
+      <p:nvGrpSpPr>
+        <p:cNvPr id="1" name=""/>
+        <p:cNvGrpSpPr/>
+        <p:nvPr/>
+      </p:nvGrpSpPr>
+      <p:grpSpPr>
+        <a:xfrm>
+          <a:off x="0" y="0"/>
+          <a:ext cx="0" cy="0"/>
+          <a:chOff x="0" y="0"/>
+          <a:chExt cx="0" cy="0"/>
+        </a:xfrm>
+      </p:grpSpPr>
+      <p:sp>
+        <p:nvSpPr>
+          <p:cNvPr id="2" name="Titel 1"/>
+          <p:cNvSpPr>
+            <a:spLocks noGrp="1"/>
+          </p:cNvSpPr>
+          <p:nvPr>
+            <p:ph type="title"/>
+          </p:nvPr>
+        </p:nvSpPr>
+        <p:spPr/>
+        <p:txBody>
+          <a:bodyPr/>
+          <a:lstStyle/>
+          <a:p>
+            <a:r>
+              <a:rPr lang="en-US" b="1" dirty="0" smtClean="0"/>
+              <a:t>What is this chapter about?</a:t>
+            </a:r>
+            <a:endParaRPr lang="en-US" b="1" dirty="0"/>
+          </a:p>
+        </p:txBody>
+      </p:sp>
+      <p:sp>
+        <p:nvSpPr>
+          <p:cNvPr id="3" name="Inhaltsplatzhalter 2"/>
+          <p:cNvSpPr>
+            <a:spLocks noGrp="1"/>
+          </p:cNvSpPr>
+          <p:nvPr>
+            <p:ph idx="1"/>
+          </p:nvPr>
+        </p:nvSpPr>
+        <p:spPr/>
+        <p:txBody>
+          <a:bodyPr/>
+          <a:lstStyle/>
+          <a:p>
+            <a:r>
+              <a:rPr lang="en-US" dirty="0" smtClean="0"/>
+              <a:t>Talking to the customer</a:t>
+            </a:r>
+          </a:p>
+          <a:p>
+            <a:r>
+              <a:rPr lang="en-US" dirty="0" smtClean="0"/>
+              <a:t>Find there requirements</a:t>
+            </a:r>
+          </a:p>
+          <a:p>
+            <a:r>
+              <a:rPr lang="en-US" dirty="0" smtClean="0"/>
+              <a:t>Get inside your customer´s head</a:t>
+            </a:r>
+          </a:p>
+          <a:p>
+            <a:pPr lvl="1"/>
+            <a:r>
+              <a:rPr lang="en-US" dirty="0" smtClean="0"/>
+              <a:t>User stories</a:t>
+            </a:r>
+          </a:p>
+          <a:p>
+            <a:pPr lvl="1"/>
+            <a:r>
+              <a:rPr lang="en-US" dirty="0" smtClean="0"/>
+              <a:t>Brainstorming</a:t>
+            </a:r>
+          </a:p>
+          <a:p>
+            <a:pPr lvl="1"/>
+            <a:r>
+              <a:rPr lang="en-US" dirty="0" smtClean="0"/>
+              <a:t>Estimation game</a:t>
+            </a:r>
+            <a:endParaRPr lang="en-US" dirty="0"/>
+          </a:p>
+        </p:txBody>
+      </p:sp>
+    </p:spTree>
+    <p:extLst>
+      <p:ext uri="{BB962C8B-B14F-4D97-AF65-F5344CB8AC3E}">
+        <p14:creationId xmlns:p14="http://schemas.microsoft.com/office/powerpoint/2010/main" val="1125481497"/>
+      </p:ext>
+    </p:extLst>
+  </p:cSld>
+  <p:clrMapOvr>
+    <a:masterClrMapping/>
+  </p:clrMapOvr>
+  <mc:AlternateContent xmlns:mc="http://schemas.openxmlformats.org/markup-compatibility/2006">
+    <mc:Choice xmlns:p14="http://schemas.microsoft.com/office/powerpoint/2010/main" Requires="p14">
+      <p:transition p14:dur="0"/>
+    </mc:Choice>
+    <mc:Fallback>
+      <p:transition/>
+    </mc:Fallback>
+  </mc:AlternateContent>
+  <p:timing>
+    <p:tnLst>
+      <p:par>
+        <p:cTn id="1" dur="indefinite" restart="never" nodeType="tmRoot"/>
+      </p:par>
+    </p:tnLst>
+  </p:timing>
+</p:sld>
+</file>
+
+<file path=ppt/slides/slide20.xml><?xml version="1.0" encoding="utf-8"?>
+<p:sld xmlns:a="http://schemas.openxmlformats.org/drawingml/2006/main" xmlns:r="http://schemas.openxmlformats.org/officeDocument/2006/relationships" xmlns:p="http://schemas.openxmlformats.org/presentationml/2006/main">
+  <p:cSld>
+    <p:spTree>
+      <p:nvGrpSpPr>
+        <p:cNvPr id="1" name=""/>
+        <p:cNvGrpSpPr/>
+        <p:nvPr/>
+      </p:nvGrpSpPr>
+      <p:grpSpPr>
+        <a:xfrm>
+          <a:off x="0" y="0"/>
+          <a:ext cx="0" cy="0"/>
+          <a:chOff x="0" y="0"/>
+          <a:chExt cx="0" cy="0"/>
+        </a:xfrm>
+      </p:grpSpPr>
+      <p:sp>
+        <p:nvSpPr>
+          <p:cNvPr id="2" name="Titel 1"/>
+          <p:cNvSpPr>
+            <a:spLocks noGrp="1"/>
+          </p:cNvSpPr>
+          <p:nvPr>
+            <p:ph type="title"/>
+          </p:nvPr>
+        </p:nvSpPr>
+        <p:spPr/>
+        <p:txBody>
+          <a:bodyPr/>
+          <a:lstStyle/>
+          <a:p>
+            <a:pPr algn="ctr"/>
+            <a:r>
+              <a:rPr lang="en-US" b="1" dirty="0" smtClean="0"/>
+              <a:t>Important things to note</a:t>
+            </a:r>
+            <a:endParaRPr lang="en-US" b="1" dirty="0"/>
+          </a:p>
+        </p:txBody>
+      </p:sp>
+      <p:sp>
+        <p:nvSpPr>
+          <p:cNvPr id="3" name="Inhaltsplatzhalter 2"/>
+          <p:cNvSpPr>
+            <a:spLocks noGrp="1"/>
+          </p:cNvSpPr>
+          <p:nvPr>
+            <p:ph idx="1"/>
+          </p:nvPr>
+        </p:nvSpPr>
+        <p:spPr/>
+        <p:txBody>
+          <a:bodyPr>
+            <a:normAutofit/>
+          </a:bodyPr>
+          <a:lstStyle/>
+          <a:p>
+            <a:r>
+              <a:rPr lang="en-US" sz="3200" dirty="0" smtClean="0"/>
+              <a:t>Be confident in your estimate !!</a:t>
+            </a:r>
+          </a:p>
+          <a:p>
+            <a:pPr marL="0" indent="0">
+              <a:buNone/>
+            </a:pPr>
+            <a:r>
+              <a:rPr lang="en-US" sz="3200" dirty="0" smtClean="0">
+                <a:sym typeface="Wingdings" panose="05000000000000000000" pitchFamily="2" charset="2"/>
+              </a:rPr>
+              <a:t>	 </a:t>
+            </a:r>
+            <a:r>
+              <a:rPr lang="en-US" sz="3200" dirty="0" smtClean="0">
+                <a:sym typeface="Wingdings" panose="05000000000000000000" pitchFamily="2" charset="2"/>
+              </a:rPr>
+              <a:t>Don't </a:t>
+            </a:r>
+            <a:r>
+              <a:rPr lang="en-US" sz="3200" dirty="0" smtClean="0">
+                <a:sym typeface="Wingdings" panose="05000000000000000000" pitchFamily="2" charset="2"/>
+              </a:rPr>
+              <a:t>be persuaded to such a low estimate that you </a:t>
+            </a:r>
+            <a:r>
+              <a:rPr lang="en-US" sz="3200" dirty="0" smtClean="0">
+                <a:sym typeface="Wingdings" panose="05000000000000000000" pitchFamily="2" charset="2"/>
+              </a:rPr>
+              <a:t>			are </a:t>
+            </a:r>
+            <a:r>
+              <a:rPr lang="en-US" sz="3200" dirty="0" smtClean="0">
+                <a:sym typeface="Wingdings" panose="05000000000000000000" pitchFamily="2" charset="2"/>
+              </a:rPr>
+              <a:t>not confident</a:t>
+            </a:r>
+          </a:p>
+          <a:p>
+            <a:r>
+              <a:rPr lang="en-US" sz="3200" dirty="0">
+                <a:sym typeface="Wingdings" panose="05000000000000000000" pitchFamily="2" charset="2"/>
+              </a:rPr>
+              <a:t>N</a:t>
+            </a:r>
+            <a:r>
+              <a:rPr lang="en-US" sz="3200" dirty="0" smtClean="0">
+                <a:sym typeface="Wingdings" panose="05000000000000000000" pitchFamily="2" charset="2"/>
+              </a:rPr>
+              <a:t>o </a:t>
+            </a:r>
+            <a:r>
+              <a:rPr lang="en-US" sz="3200" dirty="0" smtClean="0">
+                <a:sym typeface="Wingdings" panose="05000000000000000000" pitchFamily="2" charset="2"/>
+              </a:rPr>
+              <a:t>assumptions in the user stories estimate</a:t>
+            </a:r>
+          </a:p>
+          <a:p>
+            <a:pPr marL="0" indent="0">
+              <a:buNone/>
+            </a:pPr>
+            <a:r>
+              <a:rPr lang="en-US" sz="3200" dirty="0">
+                <a:sym typeface="Wingdings" panose="05000000000000000000" pitchFamily="2" charset="2"/>
+              </a:rPr>
+              <a:t>	</a:t>
+            </a:r>
+            <a:r>
+              <a:rPr lang="en-US" sz="3200" dirty="0" smtClean="0">
+                <a:sym typeface="Wingdings" panose="05000000000000000000" pitchFamily="2" charset="2"/>
+              </a:rPr>
+              <a:t> </a:t>
+            </a:r>
+            <a:r>
+              <a:rPr lang="en-US" sz="3200" dirty="0" smtClean="0">
+                <a:sym typeface="Wingdings" panose="05000000000000000000" pitchFamily="2" charset="2"/>
+              </a:rPr>
+              <a:t>Assumptions </a:t>
+            </a:r>
+            <a:r>
+              <a:rPr lang="en-US" sz="3200" dirty="0" smtClean="0">
+                <a:sym typeface="Wingdings" panose="05000000000000000000" pitchFamily="2" charset="2"/>
+              </a:rPr>
+              <a:t>can lead to unexpected problems</a:t>
+            </a:r>
+          </a:p>
+          <a:p>
+            <a:pPr marL="0" indent="0">
+              <a:buNone/>
+            </a:pPr>
+            <a:r>
+              <a:rPr lang="en-US" sz="3200" dirty="0">
+                <a:sym typeface="Wingdings" panose="05000000000000000000" pitchFamily="2" charset="2"/>
+              </a:rPr>
+              <a:t>	</a:t>
+            </a:r>
+            <a:r>
+              <a:rPr lang="en-US" sz="3200" dirty="0" smtClean="0">
+                <a:sym typeface="Wingdings" panose="05000000000000000000" pitchFamily="2" charset="2"/>
+              </a:rPr>
+              <a:t> </a:t>
+            </a:r>
+            <a:r>
+              <a:rPr lang="en-US" sz="3200" dirty="0" smtClean="0">
+                <a:sym typeface="Wingdings" panose="05000000000000000000" pitchFamily="2" charset="2"/>
+              </a:rPr>
+              <a:t>Risk </a:t>
+            </a:r>
+            <a:r>
+              <a:rPr lang="en-US" sz="3200" dirty="0" smtClean="0">
+                <a:sym typeface="Wingdings" panose="05000000000000000000" pitchFamily="2" charset="2"/>
+              </a:rPr>
+              <a:t>that software wont deliver what was required</a:t>
+            </a:r>
+            <a:endParaRPr lang="en-US" sz="3200" dirty="0">
+              <a:sym typeface="Wingdings" panose="05000000000000000000" pitchFamily="2" charset="2"/>
+            </a:endParaRPr>
+          </a:p>
+        </p:txBody>
+      </p:sp>
+    </p:spTree>
+    <p:extLst>
+      <p:ext uri="{BB962C8B-B14F-4D97-AF65-F5344CB8AC3E}">
+        <p14:creationId xmlns:p14="http://schemas.microsoft.com/office/powerpoint/2010/main" val="1304121232"/>
+      </p:ext>
+    </p:extLst>
+  </p:cSld>
+  <p:clrMapOvr>
+    <a:masterClrMapping/>
+  </p:clrMapOvr>
+  <mc:AlternateContent xmlns:mc="http://schemas.openxmlformats.org/markup-compatibility/2006">
+    <mc:Choice xmlns:p14="http://schemas.microsoft.com/office/powerpoint/2010/main" Requires="p14">
+      <p:transition p14:dur="0"/>
+    </mc:Choice>
+    <mc:Fallback>
+      <p:transition/>
+    </mc:Fallback>
+  </mc:AlternateContent>
+  <p:timing>
+    <p:tnLst>
+      <p:par>
+        <p:cTn id="1" dur="indefinite" restart="never" nodeType="tmRoot"/>
+      </p:par>
+    </p:tnLst>
+  </p:timing>
+</p:sld>
+</file>
+
+<file path=ppt/slides/slide21.xml><?xml version="1.0" encoding="utf-8"?>
+<p:sld xmlns:a="http://schemas.openxmlformats.org/drawingml/2006/main" xmlns:r="http://schemas.openxmlformats.org/officeDocument/2006/relationships" xmlns:p="http://schemas.openxmlformats.org/presentationml/2006/main">
+  <p:cSld>
+    <p:spTree>
+      <p:nvGrpSpPr>
+        <p:cNvPr id="1" name=""/>
+        <p:cNvGrpSpPr/>
+        <p:nvPr/>
+      </p:nvGrpSpPr>
+      <p:grpSpPr>
+        <a:xfrm>
+          <a:off x="0" y="0"/>
+          <a:ext cx="0" cy="0"/>
+          <a:chOff x="0" y="0"/>
+          <a:chExt cx="0" cy="0"/>
+        </a:xfrm>
+      </p:grpSpPr>
+      <p:sp>
+        <p:nvSpPr>
+          <p:cNvPr id="2" name="Titel 1"/>
+          <p:cNvSpPr>
+            <a:spLocks noGrp="1"/>
+          </p:cNvSpPr>
+          <p:nvPr>
+            <p:ph type="title"/>
+          </p:nvPr>
+        </p:nvSpPr>
+        <p:spPr/>
+        <p:txBody>
+          <a:bodyPr/>
+          <a:lstStyle/>
+          <a:p>
+            <a:pPr algn="ctr"/>
+            <a:r>
+              <a:rPr lang="en-US" b="1" dirty="0" smtClean="0"/>
+              <a:t>( advanced ) iterative approach to requirements development</a:t>
+            </a:r>
+            <a:endParaRPr lang="en-US" b="1" dirty="0"/>
+          </a:p>
+        </p:txBody>
+      </p:sp>
+      <p:sp>
+        <p:nvSpPr>
+          <p:cNvPr id="3" name="Inhaltsplatzhalter 2"/>
+          <p:cNvSpPr>
+            <a:spLocks noGrp="1"/>
+          </p:cNvSpPr>
+          <p:nvPr>
+            <p:ph idx="1"/>
+          </p:nvPr>
+        </p:nvSpPr>
+        <p:spPr/>
+        <p:txBody>
+          <a:bodyPr>
+            <a:normAutofit lnSpcReduction="10000"/>
+          </a:bodyPr>
+          <a:lstStyle/>
+          <a:p>
+            <a:pPr marL="514350" indent="-514350">
+              <a:buAutoNum type="arabicParenR"/>
+            </a:pPr>
+            <a:r>
+              <a:rPr lang="en-US" sz="3200" dirty="0" smtClean="0"/>
+              <a:t>Capturing </a:t>
+            </a:r>
+            <a:r>
+              <a:rPr lang="en-US" sz="3200" dirty="0" smtClean="0"/>
+              <a:t>basic ideas </a:t>
+            </a:r>
+          </a:p>
+          <a:p>
+            <a:pPr marL="0" indent="0">
+              <a:buNone/>
+            </a:pPr>
+            <a:r>
+              <a:rPr lang="en-US" sz="3200" dirty="0"/>
+              <a:t>	</a:t>
+            </a:r>
+            <a:r>
+              <a:rPr lang="en-US" sz="3200" dirty="0" smtClean="0">
+                <a:sym typeface="Wingdings" panose="05000000000000000000" pitchFamily="2" charset="2"/>
+              </a:rPr>
+              <a:t> </a:t>
+            </a:r>
+            <a:r>
+              <a:rPr lang="en-US" sz="3200" dirty="0" smtClean="0"/>
+              <a:t>Customer ideas</a:t>
+            </a:r>
+          </a:p>
+          <a:p>
+            <a:pPr marL="0" indent="0">
+              <a:buNone/>
+            </a:pPr>
+            <a:r>
+              <a:rPr lang="en-US" sz="3200" dirty="0" smtClean="0"/>
+              <a:t>2) </a:t>
+            </a:r>
+            <a:r>
+              <a:rPr lang="en-US" sz="3200" dirty="0" err="1" smtClean="0"/>
+              <a:t>Bluesky</a:t>
+            </a:r>
+            <a:r>
+              <a:rPr lang="en-US" sz="3200" dirty="0" smtClean="0"/>
+              <a:t> Brainstorm </a:t>
+            </a:r>
+          </a:p>
+          <a:p>
+            <a:pPr marL="0" indent="0">
+              <a:buNone/>
+            </a:pPr>
+            <a:r>
+              <a:rPr lang="en-US" sz="3200" dirty="0"/>
+              <a:t>	</a:t>
+            </a:r>
+            <a:r>
+              <a:rPr lang="en-US" sz="3200" dirty="0" smtClean="0">
+                <a:sym typeface="Wingdings" panose="05000000000000000000" pitchFamily="2" charset="2"/>
+              </a:rPr>
+              <a:t> </a:t>
+            </a:r>
+            <a:r>
+              <a:rPr lang="en-US" sz="3200" dirty="0">
+                <a:sym typeface="Wingdings" panose="05000000000000000000" pitchFamily="2" charset="2"/>
+              </a:rPr>
+              <a:t>L</a:t>
+            </a:r>
+            <a:r>
+              <a:rPr lang="en-US" sz="3200" dirty="0" smtClean="0"/>
+              <a:t>et </a:t>
+            </a:r>
+            <a:r>
+              <a:rPr lang="en-US" sz="3200" dirty="0" smtClean="0"/>
+              <a:t>your ideas run wild</a:t>
+            </a:r>
+          </a:p>
+          <a:p>
+            <a:pPr marL="0" indent="0">
+              <a:buNone/>
+            </a:pPr>
+            <a:r>
+              <a:rPr lang="en-US" sz="3200" dirty="0" smtClean="0"/>
+              <a:t>3) Constructing user story </a:t>
+            </a:r>
+          </a:p>
+          <a:p>
+            <a:pPr marL="0" indent="0">
+              <a:buNone/>
+            </a:pPr>
+            <a:r>
+              <a:rPr lang="en-US" sz="3200" dirty="0"/>
+              <a:t>	</a:t>
+            </a:r>
+            <a:r>
+              <a:rPr lang="en-US" sz="3200" dirty="0" smtClean="0">
+                <a:sym typeface="Wingdings" panose="05000000000000000000" pitchFamily="2" charset="2"/>
+              </a:rPr>
+              <a:t> </a:t>
+            </a:r>
+            <a:r>
+              <a:rPr lang="en-US" sz="3200" dirty="0" smtClean="0"/>
+              <a:t>Software requirements</a:t>
+            </a:r>
+            <a:endParaRPr lang="en-US" sz="3200" dirty="0" smtClean="0"/>
+          </a:p>
+          <a:p>
+            <a:pPr marL="0" indent="0">
+              <a:buNone/>
+            </a:pPr>
+            <a:r>
+              <a:rPr lang="en-US" sz="3200" dirty="0" smtClean="0"/>
+              <a:t>4) Clarify questions in the user story </a:t>
+            </a:r>
+          </a:p>
+          <a:p>
+            <a:pPr marL="0" indent="0">
+              <a:buNone/>
+            </a:pPr>
+            <a:r>
+              <a:rPr lang="en-US" sz="3200" dirty="0"/>
+              <a:t>	</a:t>
+            </a:r>
+            <a:r>
+              <a:rPr lang="en-US" sz="3200" dirty="0" smtClean="0">
+                <a:sym typeface="Wingdings" panose="05000000000000000000" pitchFamily="2" charset="2"/>
+              </a:rPr>
+              <a:t> </a:t>
+            </a:r>
+            <a:r>
+              <a:rPr lang="en-US" sz="3200" dirty="0">
+                <a:sym typeface="Wingdings" panose="05000000000000000000" pitchFamily="2" charset="2"/>
+              </a:rPr>
+              <a:t>T</a:t>
+            </a:r>
+            <a:r>
+              <a:rPr lang="en-US" sz="3200" dirty="0" smtClean="0"/>
+              <a:t>alk </a:t>
+            </a:r>
+            <a:r>
+              <a:rPr lang="en-US" sz="3200" dirty="0" smtClean="0"/>
+              <a:t>to customer if needed</a:t>
+            </a:r>
+          </a:p>
+        </p:txBody>
+      </p:sp>
+    </p:spTree>
+    <p:extLst>
+      <p:ext uri="{BB962C8B-B14F-4D97-AF65-F5344CB8AC3E}">
+        <p14:creationId xmlns:p14="http://schemas.microsoft.com/office/powerpoint/2010/main" val="1857786446"/>
+      </p:ext>
+    </p:extLst>
+  </p:cSld>
+  <p:clrMapOvr>
+    <a:masterClrMapping/>
+  </p:clrMapOvr>
+  <mc:AlternateContent xmlns:mc="http://schemas.openxmlformats.org/markup-compatibility/2006">
+    <mc:Choice xmlns:p14="http://schemas.microsoft.com/office/powerpoint/2010/main" Requires="p14">
+      <p:transition p14:dur="0"/>
+    </mc:Choice>
+    <mc:Fallback>
+      <p:transition/>
+    </mc:Fallback>
+  </mc:AlternateContent>
+  <p:timing>
+    <p:tnLst>
+      <p:par>
+        <p:cTn id="1" dur="indefinite" restart="never" nodeType="tmRoot"/>
+      </p:par>
+    </p:tnLst>
+  </p:timing>
+</p:sld>
+</file>
+
+<file path=ppt/slides/slide22.xml><?xml version="1.0" encoding="utf-8"?>
+<p:sld xmlns:a="http://schemas.openxmlformats.org/drawingml/2006/main" xmlns:r="http://schemas.openxmlformats.org/officeDocument/2006/relationships" xmlns:p="http://schemas.openxmlformats.org/presentationml/2006/main">
+  <p:cSld>
+    <p:spTree>
+      <p:nvGrpSpPr>
+        <p:cNvPr id="1" name=""/>
+        <p:cNvGrpSpPr/>
+        <p:nvPr/>
+      </p:nvGrpSpPr>
+      <p:grpSpPr>
+        <a:xfrm>
+          <a:off x="0" y="0"/>
+          <a:ext cx="0" cy="0"/>
+          <a:chOff x="0" y="0"/>
+          <a:chExt cx="0" cy="0"/>
+        </a:xfrm>
+      </p:grpSpPr>
+      <p:sp>
+        <p:nvSpPr>
+          <p:cNvPr id="2" name="Titel 1"/>
+          <p:cNvSpPr>
+            <a:spLocks noGrp="1"/>
+          </p:cNvSpPr>
+          <p:nvPr>
+            <p:ph type="title"/>
+          </p:nvPr>
+        </p:nvSpPr>
+        <p:spPr/>
+        <p:txBody>
+          <a:bodyPr/>
+          <a:lstStyle/>
+          <a:p>
+            <a:pPr algn="ctr"/>
+            <a:r>
+              <a:rPr lang="en-US" b="1" dirty="0" smtClean="0"/>
+              <a:t>( advanced ) iterative approach to requirements development</a:t>
+            </a:r>
+            <a:endParaRPr lang="en-US" dirty="0"/>
+          </a:p>
+        </p:txBody>
+      </p:sp>
+      <p:sp>
+        <p:nvSpPr>
+          <p:cNvPr id="3" name="Inhaltsplatzhalter 2"/>
+          <p:cNvSpPr>
+            <a:spLocks noGrp="1"/>
+          </p:cNvSpPr>
+          <p:nvPr>
+            <p:ph idx="1"/>
+          </p:nvPr>
+        </p:nvSpPr>
+        <p:spPr/>
+        <p:txBody>
+          <a:bodyPr/>
+          <a:lstStyle/>
+          <a:p>
+            <a:pPr marL="0" indent="0">
+              <a:buNone/>
+            </a:pPr>
+            <a:r>
+              <a:rPr lang="en-US" sz="3200" dirty="0" smtClean="0"/>
+              <a:t>5) Refined user story </a:t>
+            </a:r>
+          </a:p>
+          <a:p>
+            <a:pPr marL="0" indent="0">
+              <a:buNone/>
+            </a:pPr>
+            <a:r>
+              <a:rPr lang="en-US" sz="3200" dirty="0" smtClean="0"/>
+              <a:t>	</a:t>
+            </a:r>
+            <a:r>
+              <a:rPr lang="en-US" sz="3200" dirty="0" smtClean="0">
+                <a:sym typeface="Wingdings" panose="05000000000000000000" pitchFamily="2" charset="2"/>
+              </a:rPr>
+              <a:t> </a:t>
+            </a:r>
+            <a:r>
+              <a:rPr lang="en-US" sz="3200" dirty="0">
+                <a:sym typeface="Wingdings" panose="05000000000000000000" pitchFamily="2" charset="2"/>
+              </a:rPr>
+              <a:t>F</a:t>
+            </a:r>
+            <a:r>
+              <a:rPr lang="en-US" sz="3200" dirty="0" smtClean="0"/>
+              <a:t>ocused </a:t>
+            </a:r>
+            <a:r>
+              <a:rPr lang="en-US" sz="3200" dirty="0" smtClean="0"/>
+              <a:t>on the customer</a:t>
+            </a:r>
+          </a:p>
+          <a:p>
+            <a:pPr marL="0" indent="0">
+              <a:buNone/>
+            </a:pPr>
+            <a:r>
+              <a:rPr lang="en-US" sz="3200" dirty="0" smtClean="0"/>
+              <a:t>6) Discuss in the team the estimates</a:t>
+            </a:r>
+          </a:p>
+          <a:p>
+            <a:pPr marL="0" indent="0">
+              <a:buNone/>
+            </a:pPr>
+            <a:r>
+              <a:rPr lang="en-US" sz="3200" dirty="0"/>
+              <a:t>	</a:t>
+            </a:r>
+            <a:r>
+              <a:rPr lang="en-US" sz="3200" dirty="0" smtClean="0">
+                <a:sym typeface="Wingdings" panose="05000000000000000000" pitchFamily="2" charset="2"/>
+              </a:rPr>
+              <a:t> </a:t>
+            </a:r>
+            <a:r>
+              <a:rPr lang="en-US" sz="3200" dirty="0" smtClean="0"/>
+              <a:t>Planning Poker</a:t>
+            </a:r>
+          </a:p>
+          <a:p>
+            <a:pPr marL="0" indent="0">
+              <a:buNone/>
+            </a:pPr>
+            <a:r>
+              <a:rPr lang="en-US" sz="3200" dirty="0" smtClean="0"/>
+              <a:t>7) Get missing </a:t>
+            </a:r>
+            <a:r>
+              <a:rPr lang="en-US" sz="3200" dirty="0" smtClean="0"/>
+              <a:t>information </a:t>
+            </a:r>
+            <a:r>
+              <a:rPr lang="en-US" sz="3200" dirty="0" smtClean="0"/>
+              <a:t>and break up large user stories    	</a:t>
+            </a:r>
+            <a:r>
+              <a:rPr lang="en-US" sz="3200" dirty="0" smtClean="0">
+                <a:sym typeface="Wingdings" panose="05000000000000000000" pitchFamily="2" charset="2"/>
+              </a:rPr>
+              <a:t> </a:t>
+            </a:r>
+            <a:r>
+              <a:rPr lang="en-US" sz="3200" dirty="0">
+                <a:sym typeface="Wingdings" panose="05000000000000000000" pitchFamily="2" charset="2"/>
+              </a:rPr>
+              <a:t>C</a:t>
+            </a:r>
+            <a:r>
+              <a:rPr lang="en-US" sz="3200" dirty="0" smtClean="0"/>
+              <a:t>an </a:t>
+            </a:r>
+            <a:r>
+              <a:rPr lang="en-US" sz="3200" dirty="0" smtClean="0"/>
+              <a:t>jump to step 4 again and redo the process</a:t>
+            </a:r>
+          </a:p>
+          <a:p>
+            <a:pPr marL="0" indent="0">
+              <a:buNone/>
+            </a:pPr>
+            <a:r>
+              <a:rPr lang="en-US" sz="3200" dirty="0" smtClean="0"/>
+              <a:t>8) Estimate how long all requirements will take</a:t>
+            </a:r>
+          </a:p>
+          <a:p>
+            <a:endParaRPr lang="en-US" dirty="0"/>
+          </a:p>
+        </p:txBody>
+      </p:sp>
+    </p:spTree>
+    <p:extLst>
+      <p:ext uri="{BB962C8B-B14F-4D97-AF65-F5344CB8AC3E}">
+        <p14:creationId xmlns:p14="http://schemas.microsoft.com/office/powerpoint/2010/main" val="628057124"/>
+      </p:ext>
+    </p:extLst>
+  </p:cSld>
+  <p:clrMapOvr>
+    <a:masterClrMapping/>
+  </p:clrMapOvr>
+  <mc:AlternateContent xmlns:mc="http://schemas.openxmlformats.org/markup-compatibility/2006">
+    <mc:Choice xmlns:p14="http://schemas.microsoft.com/office/powerpoint/2010/main" Requires="p14">
+      <p:transition p14:dur="0"/>
+    </mc:Choice>
+    <mc:Fallback>
+      <p:transition/>
+    </mc:Fallback>
+  </mc:AlternateContent>
+  <p:timing>
+    <p:tnLst>
+      <p:par>
+        <p:cTn id="1" dur="indefinite" restart="never" nodeType="tmRoot"/>
+      </p:par>
+    </p:tnLst>
+  </p:timing>
+</p:sld>
+</file>
+
+<file path=ppt/slides/slide3.xml><?xml version="1.0" encoding="utf-8"?>
+<p:sld xmlns:a="http://schemas.openxmlformats.org/drawingml/2006/main" xmlns:r="http://schemas.openxmlformats.org/officeDocument/2006/relationships" xmlns:p="http://schemas.openxmlformats.org/presentationml/2006/main">
+  <p:cSld>
+    <p:spTree>
+      <p:nvGrpSpPr>
+        <p:cNvPr id="1" name=""/>
+        <p:cNvGrpSpPr/>
+        <p:nvPr/>
+      </p:nvGrpSpPr>
+      <p:grpSpPr>
+        <a:xfrm>
+          <a:off x="0" y="0"/>
+          <a:ext cx="0" cy="0"/>
+          <a:chOff x="0" y="0"/>
+          <a:chExt cx="0" cy="0"/>
+        </a:xfrm>
+      </p:grpSpPr>
+      <p:sp>
+        <p:nvSpPr>
+          <p:cNvPr id="2" name="Titel 1"/>
+          <p:cNvSpPr>
+            <a:spLocks noGrp="1"/>
+          </p:cNvSpPr>
+          <p:nvPr>
+            <p:ph type="title"/>
+          </p:nvPr>
+        </p:nvSpPr>
+        <p:spPr/>
+        <p:txBody>
+          <a:bodyPr/>
+          <a:lstStyle/>
+          <a:p>
+            <a:r>
+              <a:rPr lang="en-US" b="1" dirty="0" smtClean="0"/>
+              <a:t>Company setting</a:t>
+            </a:r>
+            <a:endParaRPr lang="en-US" b="1" dirty="0"/>
+          </a:p>
+        </p:txBody>
+      </p:sp>
+      <p:sp>
+        <p:nvSpPr>
+          <p:cNvPr id="3" name="Inhaltsplatzhalter 2"/>
+          <p:cNvSpPr>
+            <a:spLocks noGrp="1"/>
+          </p:cNvSpPr>
+          <p:nvPr>
+            <p:ph idx="1"/>
+          </p:nvPr>
+        </p:nvSpPr>
+        <p:spPr/>
+        <p:txBody>
+          <a:bodyPr/>
+          <a:lstStyle/>
+          <a:p>
+            <a:pPr marL="0" indent="0">
+              <a:buNone/>
+            </a:pPr>
+            <a:r>
+              <a:rPr lang="en-US" dirty="0"/>
+              <a:t>Orion´s Orbits is modernizing</a:t>
+            </a:r>
+            <a:endParaRPr lang="en-US" dirty="0" smtClean="0"/>
+          </a:p>
+          <a:p>
+            <a:r>
+              <a:rPr lang="en-US" dirty="0" smtClean="0"/>
+              <a:t>Provides quality space shuttle services</a:t>
+            </a:r>
+          </a:p>
+          <a:p>
+            <a:pPr lvl="1"/>
+            <a:r>
+              <a:rPr lang="en-US" dirty="0" smtClean="0"/>
+              <a:t>Their reservation system is a little behind the times</a:t>
+            </a:r>
+          </a:p>
+          <a:p>
+            <a:r>
+              <a:rPr lang="en-US" dirty="0" smtClean="0"/>
+              <a:t>Ready to take the leap into the 21</a:t>
+            </a:r>
+            <a:r>
+              <a:rPr lang="en-US" baseline="30000" dirty="0" smtClean="0"/>
+              <a:t>st</a:t>
+            </a:r>
+            <a:r>
+              <a:rPr lang="en-US" dirty="0" smtClean="0"/>
+              <a:t> century</a:t>
+            </a:r>
+          </a:p>
+          <a:p>
+            <a:pPr lvl="1"/>
+            <a:r>
+              <a:rPr lang="en-US" dirty="0" smtClean="0"/>
+              <a:t>Four weeks time</a:t>
+            </a:r>
+          </a:p>
+          <a:p>
+            <a:pPr lvl="1"/>
+            <a:r>
+              <a:rPr lang="en-US" dirty="0" smtClean="0"/>
+              <a:t>Serious cash</a:t>
+            </a:r>
+          </a:p>
+          <a:p>
+            <a:r>
+              <a:rPr lang="en-US" dirty="0" smtClean="0"/>
+              <a:t>Does not have an team of programmers on stuff</a:t>
+            </a:r>
+          </a:p>
+          <a:p>
+            <a:pPr>
+              <a:buFont typeface="Wingdings" panose="05000000000000000000" pitchFamily="2" charset="2"/>
+              <a:buChar char="à"/>
+            </a:pPr>
+            <a:r>
+              <a:rPr lang="en-US" dirty="0" smtClean="0">
+                <a:sym typeface="Wingdings" panose="05000000000000000000" pitchFamily="2" charset="2"/>
+              </a:rPr>
+              <a:t>They´ve hired us to handle developing their system</a:t>
+            </a:r>
+          </a:p>
+          <a:p>
+            <a:pPr marL="0" indent="0">
+              <a:buNone/>
+            </a:pPr>
+            <a:r>
+              <a:rPr lang="en-US" dirty="0"/>
+              <a:t>Our mission</a:t>
+            </a:r>
+            <a:r>
+              <a:rPr lang="en-US" dirty="0" smtClean="0">
+                <a:sym typeface="Wingdings" panose="05000000000000000000" pitchFamily="2" charset="2"/>
+              </a:rPr>
+              <a:t>: Get it right and deliver on time</a:t>
+            </a:r>
+            <a:endParaRPr lang="en-US" dirty="0" smtClean="0"/>
+          </a:p>
+        </p:txBody>
+      </p:sp>
+    </p:spTree>
+    <p:extLst>
+      <p:ext uri="{BB962C8B-B14F-4D97-AF65-F5344CB8AC3E}">
+        <p14:creationId xmlns:p14="http://schemas.microsoft.com/office/powerpoint/2010/main" val="3621082014"/>
+      </p:ext>
+    </p:extLst>
+  </p:cSld>
+  <p:clrMapOvr>
+    <a:masterClrMapping/>
+  </p:clrMapOvr>
+  <mc:AlternateContent xmlns:mc="http://schemas.openxmlformats.org/markup-compatibility/2006">
+    <mc:Choice xmlns:p14="http://schemas.microsoft.com/office/powerpoint/2010/main" Requires="p14">
+      <p:transition p14:dur="0"/>
+    </mc:Choice>
+    <mc:Fallback>
+      <p:transition/>
+    </mc:Fallback>
+  </mc:AlternateContent>
+  <p:timing>
+    <p:tnLst>
+      <p:par>
+        <p:cTn id="1" dur="indefinite" restart="never" nodeType="tmRoot"/>
+      </p:par>
+    </p:tnLst>
+  </p:timing>
+</p:sld>
+</file>
+
+<file path=ppt/slides/slide4.xml><?xml version="1.0" encoding="utf-8"?>
+<p:sld xmlns:a="http://schemas.openxmlformats.org/drawingml/2006/main" xmlns:r="http://schemas.openxmlformats.org/officeDocument/2006/relationships" xmlns:p="http://schemas.openxmlformats.org/presentationml/2006/main">
+  <p:cSld>
+    <p:spTree>
+      <p:nvGrpSpPr>
+        <p:cNvPr id="1" name=""/>
+        <p:cNvGrpSpPr/>
+        <p:nvPr/>
+      </p:nvGrpSpPr>
+      <p:grpSpPr>
+        <a:xfrm>
+          <a:off x="0" y="0"/>
+          <a:ext cx="0" cy="0"/>
+          <a:chOff x="0" y="0"/>
+          <a:chExt cx="0" cy="0"/>
+        </a:xfrm>
+      </p:grpSpPr>
+      <p:sp>
+        <p:nvSpPr>
+          <p:cNvPr id="2" name="Titel 1"/>
+          <p:cNvSpPr>
+            <a:spLocks noGrp="1"/>
+          </p:cNvSpPr>
+          <p:nvPr>
+            <p:ph type="title"/>
+          </p:nvPr>
+        </p:nvSpPr>
+        <p:spPr/>
+        <p:txBody>
+          <a:bodyPr/>
+          <a:lstStyle/>
+          <a:p>
+            <a:r>
+              <a:rPr lang="en-US" b="1" dirty="0" smtClean="0"/>
+              <a:t>Build some initial requirements</a:t>
+            </a:r>
+            <a:endParaRPr lang="en-US" b="1" dirty="0"/>
+          </a:p>
+        </p:txBody>
+      </p:sp>
+      <p:sp>
+        <p:nvSpPr>
+          <p:cNvPr id="3" name="Inhaltsplatzhalter 2"/>
+          <p:cNvSpPr>
+            <a:spLocks noGrp="1"/>
+          </p:cNvSpPr>
+          <p:nvPr>
+            <p:ph idx="1"/>
+          </p:nvPr>
+        </p:nvSpPr>
+        <p:spPr>
+          <a:xfrm>
+            <a:off x="838200" y="1825625"/>
+            <a:ext cx="10515600" cy="612775"/>
+          </a:xfrm>
+        </p:spPr>
+        <p:txBody>
+          <a:bodyPr/>
+          <a:lstStyle/>
+          <a:p>
+            <a:r>
+              <a:rPr lang="en-US" dirty="0" smtClean="0"/>
+              <a:t>Requirement = single thing the software has to do</a:t>
+            </a:r>
+          </a:p>
+        </p:txBody>
+      </p:sp>
+      <p:sp>
+        <p:nvSpPr>
+          <p:cNvPr id="4" name="Rechteck 3"/>
+          <p:cNvSpPr/>
+          <p:nvPr/>
+        </p:nvSpPr>
+        <p:spPr>
+          <a:xfrm>
+            <a:off x="838200" y="2573337"/>
+            <a:ext cx="4404049" cy="1308359"/>
+          </a:xfrm>
+          <a:prstGeom prst="rect">
+            <a:avLst/>
+          </a:prstGeom>
+          <a:noFill/>
+          <a:ln>
+            <a:solidFill>
+              <a:schemeClr val="tx1">
+                <a:lumMod val="65000"/>
+                <a:lumOff val="35000"/>
+              </a:schemeClr>
+            </a:solidFill>
+          </a:ln>
+        </p:spPr>
+        <p:style>
+          <a:lnRef idx="2">
+            <a:schemeClr val="accent1">
+              <a:shade val="50000"/>
+            </a:schemeClr>
+          </a:lnRef>
+          <a:fillRef idx="1">
+            <a:schemeClr val="accent1"/>
+          </a:fillRef>
+          <a:effectRef idx="0">
+            <a:schemeClr val="accent1"/>
+          </a:effectRef>
+          <a:fontRef idx="minor">
+            <a:schemeClr val="lt1"/>
+          </a:fontRef>
+        </p:style>
+        <p:txBody>
+          <a:bodyPr rtlCol="0" anchor="t" anchorCtr="0"/>
+          <a:lstStyle/>
+          <a:p>
+            <a:r>
+              <a:rPr lang="en-US" dirty="0" smtClean="0">
+                <a:solidFill>
+                  <a:schemeClr val="tx1"/>
+                </a:solidFill>
+              </a:rPr>
+              <a:t>Title: _______________________________</a:t>
+            </a:r>
+          </a:p>
+          <a:p>
+            <a:r>
+              <a:rPr lang="en-US" dirty="0" smtClean="0">
+                <a:solidFill>
+                  <a:schemeClr val="tx1"/>
+                </a:solidFill>
+              </a:rPr>
+              <a:t>Description: _________________________   ________________________________________________________________________</a:t>
+            </a:r>
+            <a:endParaRPr lang="en-US" dirty="0">
+              <a:solidFill>
+                <a:schemeClr val="tx1"/>
+              </a:solidFill>
+            </a:endParaRPr>
+          </a:p>
+        </p:txBody>
+      </p:sp>
+      <p:sp>
+        <p:nvSpPr>
+          <p:cNvPr id="6" name="Rechteck 5"/>
+          <p:cNvSpPr/>
+          <p:nvPr/>
+        </p:nvSpPr>
+        <p:spPr>
+          <a:xfrm>
+            <a:off x="6949751" y="2573338"/>
+            <a:ext cx="4404049" cy="1308359"/>
+          </a:xfrm>
+          <a:prstGeom prst="rect">
+            <a:avLst/>
+          </a:prstGeom>
+          <a:noFill/>
+          <a:ln>
+            <a:solidFill>
+              <a:schemeClr val="tx1">
+                <a:lumMod val="65000"/>
+                <a:lumOff val="35000"/>
+              </a:schemeClr>
+            </a:solidFill>
+          </a:ln>
+        </p:spPr>
+        <p:style>
+          <a:lnRef idx="2">
+            <a:schemeClr val="accent1">
+              <a:shade val="50000"/>
+            </a:schemeClr>
+          </a:lnRef>
+          <a:fillRef idx="1">
+            <a:schemeClr val="accent1"/>
+          </a:fillRef>
+          <a:effectRef idx="0">
+            <a:schemeClr val="accent1"/>
+          </a:effectRef>
+          <a:fontRef idx="minor">
+            <a:schemeClr val="lt1"/>
+          </a:fontRef>
+        </p:style>
+        <p:txBody>
+          <a:bodyPr rtlCol="0" anchor="t" anchorCtr="0"/>
+          <a:lstStyle/>
+          <a:p>
+            <a:r>
+              <a:rPr lang="en-US" dirty="0" smtClean="0">
+                <a:solidFill>
+                  <a:schemeClr val="tx1"/>
+                </a:solidFill>
+              </a:rPr>
+              <a:t>Title: _</a:t>
+            </a:r>
+            <a:r>
+              <a:rPr lang="en-US" u="sng" dirty="0" smtClean="0">
+                <a:solidFill>
+                  <a:schemeClr val="tx1"/>
+                </a:solidFill>
+              </a:rPr>
+              <a:t>Show current deals_______</a:t>
+            </a:r>
+            <a:r>
+              <a:rPr lang="en-US" dirty="0" smtClean="0">
+                <a:solidFill>
+                  <a:schemeClr val="tx1"/>
+                </a:solidFill>
+              </a:rPr>
+              <a:t>________</a:t>
+            </a:r>
+          </a:p>
+          <a:p>
+            <a:r>
+              <a:rPr lang="en-US" dirty="0" smtClean="0">
+                <a:solidFill>
+                  <a:schemeClr val="tx1"/>
+                </a:solidFill>
+              </a:rPr>
+              <a:t>Description: </a:t>
+            </a:r>
+            <a:r>
+              <a:rPr lang="en-US" u="sng" dirty="0" smtClean="0">
+                <a:solidFill>
+                  <a:schemeClr val="tx1"/>
+                </a:solidFill>
+              </a:rPr>
+              <a:t>_The web site will show current deals to Orion´s Orbits users._____</a:t>
+            </a:r>
+            <a:r>
+              <a:rPr lang="en-US" dirty="0" smtClean="0">
+                <a:solidFill>
+                  <a:schemeClr val="tx1"/>
+                </a:solidFill>
+              </a:rPr>
+              <a:t>________</a:t>
+            </a:r>
+          </a:p>
+          <a:p>
+            <a:r>
+              <a:rPr lang="en-US" dirty="0" smtClean="0">
+                <a:solidFill>
+                  <a:schemeClr val="tx1"/>
+                </a:solidFill>
+              </a:rPr>
+              <a:t>____________________________________</a:t>
+            </a:r>
+            <a:endParaRPr lang="en-US" dirty="0">
+              <a:solidFill>
+                <a:schemeClr val="tx1"/>
+              </a:solidFill>
+            </a:endParaRPr>
+          </a:p>
+        </p:txBody>
+      </p:sp>
+      <p:sp>
+        <p:nvSpPr>
+          <p:cNvPr id="7" name="Inhaltsplatzhalter 2"/>
+          <p:cNvSpPr txBox="1">
+            <a:spLocks/>
+          </p:cNvSpPr>
+          <p:nvPr/>
+        </p:nvSpPr>
+        <p:spPr>
+          <a:xfrm>
+            <a:off x="838200" y="4016633"/>
+            <a:ext cx="10515600" cy="1032592"/>
+          </a:xfrm>
+          <a:prstGeom prst="rect">
+            <a:avLst/>
+          </a:prstGeom>
+        </p:spPr>
+        <p:txBody>
+          <a:bodyPr vert="horz" lIns="91440" tIns="45720" rIns="91440" bIns="45720" rtlCol="0">
+            <a:normAutofit/>
+          </a:bodyPr>
+          <a:lstStyle>
+            <a:lvl1pPr marL="228600" indent="-228600" algn="l" defTabSz="914400" rtl="0" eaLnBrk="1" latinLnBrk="0" hangingPunct="1">
+              <a:lnSpc>
+                <a:spcPct val="90000"/>
+              </a:lnSpc>
+              <a:spcBef>
+                <a:spcPts val="1000"/>
+              </a:spcBef>
+              <a:buFont typeface="Arial" panose="020B0604020202020204" pitchFamily="34" charset="0"/>
+              <a:buChar char="•"/>
+              <a:defRPr sz="2800" kern="1200">
+                <a:solidFill>
+                  <a:schemeClr val="tx1"/>
+                </a:solidFill>
+                <a:latin typeface="+mn-lt"/>
+                <a:ea typeface="+mn-ea"/>
+                <a:cs typeface="+mn-cs"/>
+              </a:defRPr>
+            </a:lvl1pPr>
+            <a:lvl2pPr marL="685800" indent="-228600" algn="l" defTabSz="914400" rtl="0" eaLnBrk="1" latinLnBrk="0" hangingPunct="1">
+              <a:lnSpc>
+                <a:spcPct val="90000"/>
+              </a:lnSpc>
+              <a:spcBef>
+                <a:spcPts val="500"/>
+              </a:spcBef>
+              <a:buFont typeface="Arial" panose="020B0604020202020204" pitchFamily="34" charset="0"/>
+              <a:buChar char="•"/>
+              <a:defRPr sz="2400" kern="1200">
+                <a:solidFill>
+                  <a:schemeClr val="tx1"/>
+                </a:solidFill>
+                <a:latin typeface="+mn-lt"/>
+                <a:ea typeface="+mn-ea"/>
+                <a:cs typeface="+mn-cs"/>
+              </a:defRPr>
+            </a:lvl2pPr>
+            <a:lvl3pPr marL="1143000" indent="-228600" algn="l" defTabSz="914400" rtl="0" eaLnBrk="1" latinLnBrk="0" hangingPunct="1">
+              <a:lnSpc>
+                <a:spcPct val="90000"/>
+              </a:lnSpc>
+              <a:spcBef>
+                <a:spcPts val="500"/>
+              </a:spcBef>
+              <a:buFont typeface="Arial" panose="020B0604020202020204" pitchFamily="34" charset="0"/>
+              <a:buChar char="•"/>
+              <a:defRPr sz="2000" kern="1200">
+                <a:solidFill>
+                  <a:schemeClr val="tx1"/>
+                </a:solidFill>
+                <a:latin typeface="+mn-lt"/>
+                <a:ea typeface="+mn-ea"/>
+                <a:cs typeface="+mn-cs"/>
+              </a:defRPr>
+            </a:lvl3pPr>
+            <a:lvl4pPr marL="1600200" indent="-228600" algn="l" defTabSz="914400" rtl="0" eaLnBrk="1" latinLnBrk="0" hangingPunct="1">
+              <a:lnSpc>
+                <a:spcPct val="90000"/>
+              </a:lnSpc>
+              <a:spcBef>
+                <a:spcPts val="500"/>
+              </a:spcBef>
+              <a:buFont typeface="Arial" panose="020B0604020202020204" pitchFamily="34" charset="0"/>
+              <a:buChar char="•"/>
+              <a:defRPr sz="1800" kern="1200">
+                <a:solidFill>
+                  <a:schemeClr val="tx1"/>
+                </a:solidFill>
+                <a:latin typeface="+mn-lt"/>
+                <a:ea typeface="+mn-ea"/>
+                <a:cs typeface="+mn-cs"/>
+              </a:defRPr>
+            </a:lvl4pPr>
+            <a:lvl5pPr marL="2057400" indent="-228600" algn="l" defTabSz="914400" rtl="0" eaLnBrk="1" latinLnBrk="0" hangingPunct="1">
+              <a:lnSpc>
+                <a:spcPct val="90000"/>
+              </a:lnSpc>
+              <a:spcBef>
+                <a:spcPts val="500"/>
+              </a:spcBef>
+              <a:buFont typeface="Arial" panose="020B0604020202020204" pitchFamily="34" charset="0"/>
+              <a:buChar char="•"/>
+              <a:defRPr sz="1800" kern="1200">
+                <a:solidFill>
+                  <a:schemeClr val="tx1"/>
+                </a:solidFill>
+                <a:latin typeface="+mn-lt"/>
+                <a:ea typeface="+mn-ea"/>
+                <a:cs typeface="+mn-cs"/>
+              </a:defRPr>
+            </a:lvl5pPr>
+            <a:lvl6pPr marL="2514600" indent="-228600" algn="l" defTabSz="914400" rtl="0" eaLnBrk="1" latinLnBrk="0" hangingPunct="1">
+              <a:lnSpc>
+                <a:spcPct val="90000"/>
+              </a:lnSpc>
+              <a:spcBef>
+                <a:spcPts val="500"/>
+              </a:spcBef>
+              <a:buFont typeface="Arial" panose="020B0604020202020204" pitchFamily="34" charset="0"/>
+              <a:buChar char="•"/>
+              <a:defRPr sz="1800" kern="1200">
+                <a:solidFill>
+                  <a:schemeClr val="tx1"/>
+                </a:solidFill>
+                <a:latin typeface="+mn-lt"/>
+                <a:ea typeface="+mn-ea"/>
+                <a:cs typeface="+mn-cs"/>
+              </a:defRPr>
+            </a:lvl6pPr>
+            <a:lvl7pPr marL="2971800" indent="-228600" algn="l" defTabSz="914400" rtl="0" eaLnBrk="1" latinLnBrk="0" hangingPunct="1">
+              <a:lnSpc>
+                <a:spcPct val="90000"/>
+              </a:lnSpc>
+              <a:spcBef>
+                <a:spcPts val="500"/>
+              </a:spcBef>
+              <a:buFont typeface="Arial" panose="020B0604020202020204" pitchFamily="34" charset="0"/>
+              <a:buChar char="•"/>
+              <a:defRPr sz="1800" kern="1200">
+                <a:solidFill>
+                  <a:schemeClr val="tx1"/>
+                </a:solidFill>
+                <a:latin typeface="+mn-lt"/>
+                <a:ea typeface="+mn-ea"/>
+                <a:cs typeface="+mn-cs"/>
+              </a:defRPr>
+            </a:lvl7pPr>
+            <a:lvl8pPr marL="3429000" indent="-228600" algn="l" defTabSz="914400" rtl="0" eaLnBrk="1" latinLnBrk="0" hangingPunct="1">
+              <a:lnSpc>
+                <a:spcPct val="90000"/>
+              </a:lnSpc>
+              <a:spcBef>
+                <a:spcPts val="500"/>
+              </a:spcBef>
+              <a:buFont typeface="Arial" panose="020B0604020202020204" pitchFamily="34" charset="0"/>
+              <a:buChar char="•"/>
+              <a:defRPr sz="1800" kern="1200">
+                <a:solidFill>
+                  <a:schemeClr val="tx1"/>
+                </a:solidFill>
+                <a:latin typeface="+mn-lt"/>
+                <a:ea typeface="+mn-ea"/>
+                <a:cs typeface="+mn-cs"/>
+              </a:defRPr>
+            </a:lvl8pPr>
+            <a:lvl9pPr marL="3886200" indent="-228600" algn="l" defTabSz="914400" rtl="0" eaLnBrk="1" latinLnBrk="0" hangingPunct="1">
+              <a:lnSpc>
+                <a:spcPct val="90000"/>
+              </a:lnSpc>
+              <a:spcBef>
+                <a:spcPts val="500"/>
+              </a:spcBef>
+              <a:buFont typeface="Arial" panose="020B0604020202020204" pitchFamily="34" charset="0"/>
+              <a:buChar char="•"/>
+              <a:defRPr sz="1800" kern="1200">
+                <a:solidFill>
+                  <a:schemeClr val="tx1"/>
+                </a:solidFill>
+                <a:latin typeface="+mn-lt"/>
+                <a:ea typeface="+mn-ea"/>
+                <a:cs typeface="+mn-cs"/>
+              </a:defRPr>
+            </a:lvl9pPr>
+          </a:lstStyle>
+          <a:p>
+            <a:r>
+              <a:rPr lang="en-US" dirty="0" smtClean="0"/>
+              <a:t>No specific format</a:t>
+            </a:r>
+          </a:p>
+          <a:p>
+            <a:r>
+              <a:rPr lang="en-US" dirty="0" smtClean="0"/>
+              <a:t>Not to specific information</a:t>
+            </a:r>
+          </a:p>
+        </p:txBody>
+      </p:sp>
+    </p:spTree>
+    <p:extLst>
+      <p:ext uri="{BB962C8B-B14F-4D97-AF65-F5344CB8AC3E}">
+        <p14:creationId xmlns:p14="http://schemas.microsoft.com/office/powerpoint/2010/main" val="2934492360"/>
+      </p:ext>
+    </p:extLst>
+  </p:cSld>
+  <p:clrMapOvr>
+    <a:masterClrMapping/>
+  </p:clrMapOvr>
+  <mc:AlternateContent xmlns:mc="http://schemas.openxmlformats.org/markup-compatibility/2006">
+    <mc:Choice xmlns:p14="http://schemas.microsoft.com/office/powerpoint/2010/main" Requires="p14">
+      <p:transition p14:dur="0"/>
+    </mc:Choice>
+    <mc:Fallback>
+      <p:transition/>
+    </mc:Fallback>
+  </mc:AlternateContent>
+  <p:timing>
+    <p:tnLst>
+      <p:par>
+        <p:cTn id="1" dur="indefinite" restart="never" nodeType="tmRoot">
+          <p:childTnLst>
+            <p:seq concurrent="1" nextAc="seek">
+              <p:cTn id="2" dur="indefinite" nodeType="mainSeq">
+                <p:childTnLst>
+                  <p:par>
+                    <p:cTn id="3" fill="hold">
+                      <p:stCondLst>
+                        <p:cond delay="indefinite"/>
+                      </p:stCondLst>
+                      <p:childTnLst>
+                        <p:par>
+                          <p:cTn id="4" fill="hold">
+                            <p:stCondLst>
+                              <p:cond delay="0"/>
+                            </p:stCondLst>
+                            <p:childTnLst>
+                              <p:par>
+                                <p:cTn id="5" presetID="10" presetClass="entr" presetSubtype="0" fill="hold" grpId="0" nodeType="clickEffect">
+                                  <p:stCondLst>
+                                    <p:cond delay="0"/>
+                                  </p:stCondLst>
+                                  <p:childTnLst>
+                                    <p:set>
+                                      <p:cBhvr>
+                                        <p:cTn id="6" dur="1" fill="hold">
+                                          <p:stCondLst>
+                                            <p:cond delay="0"/>
+                                          </p:stCondLst>
+                                        </p:cTn>
+                                        <p:tgtEl>
+                                          <p:spTgt spid="6"/>
+                                        </p:tgtEl>
+                                        <p:attrNameLst>
+                                          <p:attrName>style.visibility</p:attrName>
+                                        </p:attrNameLst>
+                                      </p:cBhvr>
+                                      <p:to>
+                                        <p:strVal val="visible"/>
+                                      </p:to>
+                                    </p:set>
+                                    <p:animEffect transition="in" filter="fade">
+                                      <p:cBhvr>
+                                        <p:cTn id="7" dur="500"/>
+                                        <p:tgtEl>
+                                          <p:spTgt spid="6"/>
+                                        </p:tgtEl>
+                                      </p:cBhvr>
+                                    </p:animEffect>
+                                  </p:childTnLst>
+                                </p:cTn>
+                              </p:par>
+                            </p:childTnLst>
+                          </p:cTn>
+                        </p:par>
+                      </p:childTnLst>
+                    </p:cTn>
+                  </p:par>
+                </p:childTnLst>
+              </p:cTn>
+              <p:prevCondLst>
+                <p:cond evt="onPrev" delay="0">
+                  <p:tgtEl>
+                    <p:sldTgt/>
+                  </p:tgtEl>
+                </p:cond>
+              </p:prevCondLst>
+              <p:nextCondLst>
+                <p:cond evt="onNext" delay="0">
+                  <p:tgtEl>
+                    <p:sldTgt/>
+                  </p:tgtEl>
+                </p:cond>
+              </p:nextCondLst>
+            </p:seq>
+          </p:childTnLst>
+        </p:cTn>
+      </p:par>
+    </p:tnLst>
+    <p:bldLst>
+      <p:bldP spid="6" grpId="0" animBg="1"/>
+    </p:bldLst>
+  </p:timing>
+</p:sld>
+</file>
+
 <file path=ppt/slides/slide5.xml><?xml version="1.0" encoding="utf-8"?>
 <p:sld xmlns:a="http://schemas.openxmlformats.org/drawingml/2006/main" xmlns:r="http://schemas.openxmlformats.org/officeDocument/2006/relationships" xmlns:p="http://schemas.openxmlformats.org/presentationml/2006/main">
   <p:cSld>
@@ -4891,10 +8001,9 @@
           <a:bodyPr/>
           <a:lstStyle/>
           <a:p>
-            <a:pPr algn="ctr"/>
             <a:r>
               <a:rPr lang="en-US" b="1" dirty="0" smtClean="0"/>
-              <a:t>(basic) Circle to a good consensus</a:t>
+              <a:t>Talk to get more information</a:t>
             </a:r>
             <a:endParaRPr lang="en-US" b="1" dirty="0"/>
           </a:p>
@@ -4915,38 +8024,31 @@
           <a:bodyPr/>
           <a:lstStyle/>
           <a:p>
-            <a:pPr marL="514350" indent="-514350">
-              <a:buAutoNum type="arabicParenR"/>
-            </a:pPr>
+            <a:r>
+              <a:rPr lang="en-US" dirty="0"/>
+              <a:t>G</a:t>
+            </a:r>
             <a:r>
               <a:rPr lang="en-US" dirty="0" smtClean="0"/>
-              <a:t>Talk to customer</a:t>
-            </a:r>
-          </a:p>
-          <a:p>
-            <a:pPr marL="514350" indent="-514350">
-              <a:buAutoNum type="arabicParenR"/>
-            </a:pPr>
+              <a:t>aps </a:t>
+            </a:r>
             <a:r>
               <a:rPr lang="en-US" dirty="0" smtClean="0"/>
-              <a:t>discuss with the team and get their </a:t>
-            </a:r>
-            <a:r>
-              <a:rPr lang="en-US" dirty="0" err="1" smtClean="0"/>
-              <a:t>oppinions</a:t>
-            </a:r>
+              <a:t>in understanding what your software should do</a:t>
+            </a:r>
+            <a:endParaRPr lang="en-US" dirty="0"/>
+          </a:p>
+          <a:p>
+            <a:pPr lvl="1"/>
             <a:r>
               <a:rPr lang="en-US" dirty="0" smtClean="0"/>
-              <a:t> (Planning Poker)</a:t>
-            </a:r>
-          </a:p>
-          <a:p>
-            <a:pPr marL="514350" indent="-514350">
-              <a:buAutoNum type="arabicParenR"/>
-            </a:pPr>
+              <a:t>Especially early in your project</a:t>
+            </a:r>
+          </a:p>
+          <a:p>
             <a:r>
               <a:rPr lang="en-US" dirty="0" smtClean="0"/>
-              <a:t>clarify assumptions</a:t>
+              <a:t>Questions or make assumptions </a:t>
             </a:r>
           </a:p>
           <a:p>
@@ -4958,67 +8060,83 @@
               <a:rPr lang="en-US" dirty="0" smtClean="0">
                 <a:sym typeface="Wingdings" panose="05000000000000000000" pitchFamily="2" charset="2"/>
               </a:rPr>
-              <a:t>go to step 1 if assumptions can only be </a:t>
-            </a:r>
-            <a:r>
-              <a:rPr lang="en-US" dirty="0" err="1" smtClean="0">
-                <a:sym typeface="Wingdings" panose="05000000000000000000" pitchFamily="2" charset="2"/>
-              </a:rPr>
-              <a:t>clarifyed</a:t>
-            </a:r>
+              <a:t>Talk with the customer</a:t>
+            </a:r>
+          </a:p>
+          <a:p>
             <a:r>
               <a:rPr lang="en-US" dirty="0" smtClean="0">
                 <a:sym typeface="Wingdings" panose="05000000000000000000" pitchFamily="2" charset="2"/>
               </a:rPr>
-              <a:t> by the customer</a:t>
-            </a:r>
-          </a:p>
-          <a:p>
-            <a:pPr marL="457200" lvl="1" indent="0">
-              <a:buNone/>
-            </a:pPr>
-            <a:endParaRPr lang="en-US" dirty="0" smtClean="0"/>
-          </a:p>
-          <a:p>
-            <a:pPr marL="0" indent="0">
-              <a:buNone/>
-            </a:pPr>
+              <a:t>First meeting question examples:</a:t>
+            </a:r>
+          </a:p>
+          <a:p>
+            <a:pPr lvl="1"/>
             <a:r>
               <a:rPr lang="en-US" dirty="0" smtClean="0">
                 <a:sym typeface="Wingdings" panose="05000000000000000000" pitchFamily="2" charset="2"/>
               </a:rPr>
-              <a:t>Goal:  everyone's estimates are close so you can agree on one final 	estimate</a:t>
-            </a:r>
-            <a:r>
-              <a:rPr lang="en-US" dirty="0">
+              <a:t>Different types of shuttles</a:t>
+            </a:r>
+          </a:p>
+          <a:p>
+            <a:pPr lvl="1"/>
+            <a:r>
+              <a:rPr lang="en-US" dirty="0" smtClean="0">
                 <a:sym typeface="Wingdings" panose="05000000000000000000" pitchFamily="2" charset="2"/>
               </a:rPr>
-              <a:t>	</a:t>
-            </a:r>
-            <a:endParaRPr lang="en-US" dirty="0" smtClean="0">
-              <a:sym typeface="Wingdings" panose="05000000000000000000" pitchFamily="2" charset="2"/>
-            </a:endParaRPr>
-          </a:p>
-          <a:p>
-            <a:pPr marL="457200" lvl="1" indent="0">
-              <a:buNone/>
-            </a:pPr>
-            <a:endParaRPr lang="en-US" dirty="0" smtClean="0">
-              <a:sym typeface="Wingdings" panose="05000000000000000000" pitchFamily="2" charset="2"/>
-            </a:endParaRPr>
+              <a:t>Receipts or monthly reports</a:t>
+            </a:r>
+          </a:p>
+          <a:p>
+            <a:pPr lvl="1"/>
+            <a:r>
+              <a:rPr lang="en-US" dirty="0" smtClean="0">
+                <a:sym typeface="Wingdings" panose="05000000000000000000" pitchFamily="2" charset="2"/>
+              </a:rPr>
+              <a:t>Reservations: canceled or changed</a:t>
+            </a:r>
+          </a:p>
+          <a:p>
+            <a:pPr lvl="1"/>
+            <a:r>
+              <a:rPr lang="en-US" dirty="0" smtClean="0">
+                <a:sym typeface="Wingdings" panose="05000000000000000000" pitchFamily="2" charset="2"/>
+              </a:rPr>
+              <a:t>Administrator interface</a:t>
+            </a:r>
+          </a:p>
+          <a:p>
+            <a:pPr lvl="1"/>
+            <a:r>
+              <a:rPr lang="en-US" dirty="0" smtClean="0">
+                <a:sym typeface="Wingdings" panose="05000000000000000000" pitchFamily="2" charset="2"/>
+              </a:rPr>
+              <a:t>Communicate to other systems </a:t>
+            </a:r>
+            <a:endParaRPr lang="en-US" dirty="0"/>
           </a:p>
         </p:txBody>
       </p:sp>
     </p:spTree>
     <p:extLst>
       <p:ext uri="{BB962C8B-B14F-4D97-AF65-F5344CB8AC3E}">
-        <p14:creationId xmlns:p14="http://schemas.microsoft.com/office/powerpoint/2010/main" val="3583062658"/>
+        <p14:creationId xmlns:p14="http://schemas.microsoft.com/office/powerpoint/2010/main" val="1769600638"/>
       </p:ext>
     </p:extLst>
   </p:cSld>
   <p:clrMapOvr>
     <a:masterClrMapping/>
   </p:clrMapOvr>
+  <mc:AlternateContent xmlns:mc="http://schemas.openxmlformats.org/markup-compatibility/2006">
+    <mc:Choice xmlns:p14="http://schemas.microsoft.com/office/powerpoint/2010/main" Requires="p14">
+      <p:transition p14:dur="0"/>
+    </mc:Choice>
+    <mc:Fallback>
+      <p:transition/>
+    </mc:Fallback>
+  </mc:AlternateContent>
   <p:timing>
     <p:tnLst>
       <p:par>
@@ -5061,10 +8179,9 @@
           <a:bodyPr/>
           <a:lstStyle/>
           <a:p>
-            <a:pPr algn="ctr"/>
             <a:r>
               <a:rPr lang="en-US" b="1" dirty="0" smtClean="0"/>
-              <a:t>Important things to note</a:t>
+              <a:t>Problems</a:t>
             </a:r>
             <a:endParaRPr lang="en-US" b="1" dirty="0"/>
           </a:p>
@@ -5087,95 +8204,50 @@
           <a:p>
             <a:r>
               <a:rPr lang="en-US" dirty="0" smtClean="0"/>
-              <a:t>Be confident in your estimate !!</a:t>
-            </a:r>
-          </a:p>
-          <a:p>
-            <a:pPr marL="0" indent="0">
-              <a:buNone/>
-            </a:pPr>
-            <a:r>
-              <a:rPr lang="en-US" dirty="0" smtClean="0">
-                <a:sym typeface="Wingdings" panose="05000000000000000000" pitchFamily="2" charset="2"/>
-              </a:rPr>
-              <a:t>	</a:t>
-            </a:r>
-            <a:r>
-              <a:rPr lang="en-US" sz="2400" dirty="0" smtClean="0">
-                <a:sym typeface="Wingdings" panose="05000000000000000000" pitchFamily="2" charset="2"/>
-              </a:rPr>
-              <a:t></a:t>
-            </a:r>
-            <a:r>
-              <a:rPr lang="en-US" dirty="0" smtClean="0">
-                <a:sym typeface="Wingdings" panose="05000000000000000000" pitchFamily="2" charset="2"/>
-              </a:rPr>
-              <a:t> </a:t>
-            </a:r>
-            <a:r>
-              <a:rPr lang="en-US" sz="2400" dirty="0" smtClean="0">
-                <a:sym typeface="Wingdings" panose="05000000000000000000" pitchFamily="2" charset="2"/>
-              </a:rPr>
-              <a:t>don't be persuaded to such a low estimate that you are not confident</a:t>
-            </a:r>
-          </a:p>
-          <a:p>
-            <a:r>
-              <a:rPr lang="en-US" dirty="0" smtClean="0">
-                <a:sym typeface="Wingdings" panose="05000000000000000000" pitchFamily="2" charset="2"/>
-              </a:rPr>
-              <a:t>no assumptions in the user stories estimate</a:t>
-            </a:r>
-          </a:p>
-          <a:p>
-            <a:pPr marL="0" indent="0">
-              <a:buNone/>
-            </a:pPr>
-            <a:r>
-              <a:rPr lang="en-US" dirty="0">
-                <a:sym typeface="Wingdings" panose="05000000000000000000" pitchFamily="2" charset="2"/>
-              </a:rPr>
-              <a:t>	</a:t>
-            </a:r>
-            <a:r>
-              <a:rPr lang="en-US" sz="2400" dirty="0" smtClean="0">
-                <a:sym typeface="Wingdings" panose="05000000000000000000" pitchFamily="2" charset="2"/>
-              </a:rPr>
-              <a:t> assumptions can lead to unexpected problems</a:t>
-            </a:r>
-          </a:p>
-          <a:p>
-            <a:pPr marL="0" indent="0">
-              <a:buNone/>
-            </a:pPr>
-            <a:r>
-              <a:rPr lang="en-US" sz="2400" dirty="0">
-                <a:sym typeface="Wingdings" panose="05000000000000000000" pitchFamily="2" charset="2"/>
-              </a:rPr>
-              <a:t>	</a:t>
-            </a:r>
-            <a:r>
-              <a:rPr lang="en-US" sz="2400" dirty="0" smtClean="0">
-                <a:sym typeface="Wingdings" panose="05000000000000000000" pitchFamily="2" charset="2"/>
-              </a:rPr>
-              <a:t> risk that software wont deliver what was required</a:t>
-            </a:r>
-            <a:endParaRPr lang="en-US" sz="2400" dirty="0">
-              <a:sym typeface="Wingdings" panose="05000000000000000000" pitchFamily="2" charset="2"/>
-            </a:endParaRPr>
+              <a:t>People who known the requirements are often shy</a:t>
+            </a:r>
+          </a:p>
+          <a:p>
+            <a:r>
+              <a:rPr lang="en-US" dirty="0" smtClean="0"/>
+              <a:t>If one approach does not work out try another</a:t>
+            </a:r>
+          </a:p>
+          <a:p>
+            <a:pPr lvl="1"/>
+            <a:r>
+              <a:rPr lang="en-US" dirty="0" smtClean="0"/>
+              <a:t>Talk to them alone</a:t>
+            </a:r>
+          </a:p>
+          <a:p>
+            <a:pPr lvl="1"/>
+            <a:r>
+              <a:rPr lang="en-US" dirty="0" smtClean="0"/>
+              <a:t>Meet in smaller groups</a:t>
+            </a:r>
+            <a:endParaRPr lang="en-US" dirty="0"/>
           </a:p>
         </p:txBody>
       </p:sp>
     </p:spTree>
     <p:extLst>
       <p:ext uri="{BB962C8B-B14F-4D97-AF65-F5344CB8AC3E}">
-        <p14:creationId xmlns:p14="http://schemas.microsoft.com/office/powerpoint/2010/main" val="1304121232"/>
+        <p14:creationId xmlns:p14="http://schemas.microsoft.com/office/powerpoint/2010/main" val="4213638491"/>
       </p:ext>
     </p:extLst>
   </p:cSld>
   <p:clrMapOvr>
     <a:masterClrMapping/>
   </p:clrMapOvr>
+  <mc:AlternateContent xmlns:mc="http://schemas.openxmlformats.org/markup-compatibility/2006">
+    <mc:Choice xmlns:p14="http://schemas.microsoft.com/office/powerpoint/2010/main" Requires="p14">
+      <p:transition p14:dur="0"/>
+    </mc:Choice>
+    <mc:Fallback>
+      <p:transition/>
+    </mc:Fallback>
+  </mc:AlternateContent>
   <p:timing>
     <p:tnLst>
       <p:par>
@@ -5218,10 +8290,9 @@
           <a:bodyPr/>
           <a:lstStyle/>
           <a:p>
-            <a:pPr algn="ctr"/>
             <a:r>
               <a:rPr lang="en-US" b="1" dirty="0" smtClean="0"/>
-              <a:t>( advanced ) iterative approach to requirements development</a:t>
+              <a:t>Find out what people REALLY do</a:t>
             </a:r>
             <a:endParaRPr lang="en-US" b="1" dirty="0"/>
           </a:p>
@@ -5239,21 +8310,15 @@
         </p:nvSpPr>
         <p:spPr/>
         <p:txBody>
-          <a:bodyPr>
-            <a:normAutofit lnSpcReduction="10000"/>
-          </a:bodyPr>
-          <a:lstStyle/>
-          <a:p>
-            <a:pPr marL="514350" indent="-514350">
-              <a:buAutoNum type="arabicParenR"/>
+          <a:bodyPr/>
+          <a:lstStyle/>
+          <a:p>
+            <a:pPr marL="0" indent="0">
+              <a:buNone/>
             </a:pPr>
             <a:r>
-              <a:rPr lang="en-US" sz="3200" dirty="0" err="1" smtClean="0"/>
-              <a:t>Captureing</a:t>
-            </a:r>
-            <a:r>
-              <a:rPr lang="en-US" sz="3200" dirty="0" smtClean="0"/>
-              <a:t> basic ideas </a:t>
+              <a:rPr lang="en-US" dirty="0" smtClean="0"/>
+              <a:t>Everything (ethical and legal) is ok when you are trying to get into your customer´s head</a:t>
             </a:r>
           </a:p>
           <a:p>
@@ -5261,125 +8326,89 @@
               <a:buNone/>
             </a:pPr>
             <a:r>
-              <a:rPr lang="en-US" sz="3200" dirty="0"/>
-              <a:t>	</a:t>
-            </a:r>
-            <a:r>
-              <a:rPr lang="en-US" sz="3200" dirty="0" smtClean="0">
+              <a:rPr lang="en-US" dirty="0" smtClean="0"/>
+              <a:t>Two particularly useful techniques:</a:t>
+            </a:r>
+          </a:p>
+          <a:p>
+            <a:r>
+              <a:rPr lang="en-US" dirty="0" smtClean="0"/>
+              <a:t>Role playing</a:t>
+            </a:r>
+          </a:p>
+          <a:p>
+            <a:pPr lvl="1"/>
+            <a:r>
+              <a:rPr lang="en-US" dirty="0" smtClean="0"/>
+              <a:t>Pretend to be the software</a:t>
+            </a:r>
+          </a:p>
+          <a:p>
+            <a:pPr lvl="1"/>
+            <a:r>
+              <a:rPr lang="en-US" dirty="0" smtClean="0"/>
+              <a:t>Write down each thing the software needs to do </a:t>
+            </a:r>
+            <a:r>
+              <a:rPr lang="en-US" dirty="0" smtClean="0">
                 <a:sym typeface="Wingdings" panose="05000000000000000000" pitchFamily="2" charset="2"/>
               </a:rPr>
-              <a:t> </a:t>
-            </a:r>
-            <a:r>
-              <a:rPr lang="en-US" sz="3200" dirty="0" smtClean="0"/>
-              <a:t>Customer ideas</a:t>
-            </a:r>
-          </a:p>
-          <a:p>
-            <a:pPr marL="0" indent="0">
-              <a:buNone/>
-            </a:pPr>
-            <a:r>
-              <a:rPr lang="en-US" sz="3200" dirty="0" smtClean="0"/>
-              <a:t>2) </a:t>
-            </a:r>
-            <a:r>
-              <a:rPr lang="en-US" sz="3200" dirty="0" err="1" smtClean="0"/>
-              <a:t>Bluesky</a:t>
-            </a:r>
-            <a:r>
-              <a:rPr lang="en-US" sz="3200" dirty="0" smtClean="0"/>
-              <a:t> Brainstorm </a:t>
-            </a:r>
-          </a:p>
-          <a:p>
-            <a:pPr marL="0" indent="0">
-              <a:buNone/>
-            </a:pPr>
-            <a:r>
-              <a:rPr lang="en-US" sz="3200" dirty="0"/>
-              <a:t>	</a:t>
-            </a:r>
-            <a:r>
-              <a:rPr lang="en-US" sz="3200" dirty="0" smtClean="0">
+              <a:t> requirement card</a:t>
+            </a:r>
+            <a:endParaRPr lang="en-US" dirty="0" smtClean="0"/>
+          </a:p>
+          <a:p>
+            <a:r>
+              <a:rPr lang="en-US" dirty="0" smtClean="0"/>
+              <a:t>Observation</a:t>
+            </a:r>
+          </a:p>
+          <a:p>
+            <a:pPr lvl="1"/>
+            <a:r>
+              <a:rPr lang="en-US" dirty="0" smtClean="0"/>
+              <a:t>To understand how people work </a:t>
+            </a:r>
+            <a:r>
+              <a:rPr lang="en-US" dirty="0" smtClean="0">
                 <a:sym typeface="Wingdings" panose="05000000000000000000" pitchFamily="2" charset="2"/>
               </a:rPr>
-              <a:t> </a:t>
-            </a:r>
-            <a:r>
-              <a:rPr lang="en-US" sz="3200" dirty="0" smtClean="0"/>
-              <a:t>let your ideas run wild</a:t>
-            </a:r>
-          </a:p>
-          <a:p>
-            <a:pPr marL="0" indent="0">
-              <a:buNone/>
-            </a:pPr>
-            <a:r>
-              <a:rPr lang="en-US" sz="3200" dirty="0" smtClean="0"/>
-              <a:t>3) Constructing user story </a:t>
-            </a:r>
-          </a:p>
-          <a:p>
-            <a:pPr marL="0" indent="0">
-              <a:buNone/>
-            </a:pPr>
-            <a:r>
-              <a:rPr lang="en-US" sz="3200" dirty="0"/>
-              <a:t>	</a:t>
-            </a:r>
-            <a:r>
-              <a:rPr lang="en-US" sz="3200" dirty="0" smtClean="0">
+              <a:t> watch them and find out how the software fits in</a:t>
+            </a:r>
+          </a:p>
+          <a:p>
+            <a:pPr lvl="1"/>
+            <a:r>
+              <a:rPr lang="en-US" dirty="0" smtClean="0">
                 <a:sym typeface="Wingdings" panose="05000000000000000000" pitchFamily="2" charset="2"/>
               </a:rPr>
-              <a:t> </a:t>
-            </a:r>
-            <a:r>
-              <a:rPr lang="en-US" sz="3200" dirty="0" err="1" smtClean="0"/>
-              <a:t>Softwareanforderung</a:t>
-            </a:r>
-            <a:endParaRPr lang="en-US" sz="3200" dirty="0" smtClean="0"/>
-          </a:p>
-          <a:p>
-            <a:pPr marL="0" indent="0">
-              <a:buNone/>
-            </a:pPr>
-            <a:r>
-              <a:rPr lang="en-US" sz="3200" dirty="0" smtClean="0"/>
-              <a:t>4) Clarify questions in the user story </a:t>
-            </a:r>
-          </a:p>
-          <a:p>
-            <a:pPr marL="0" indent="0">
-              <a:buNone/>
-            </a:pPr>
-            <a:r>
-              <a:rPr lang="en-US" sz="3200" dirty="0"/>
-              <a:t>	</a:t>
-            </a:r>
-            <a:r>
-              <a:rPr lang="en-US" sz="3200" dirty="0" smtClean="0">
-                <a:sym typeface="Wingdings" panose="05000000000000000000" pitchFamily="2" charset="2"/>
-              </a:rPr>
-              <a:t> </a:t>
-            </a:r>
-            <a:r>
-              <a:rPr lang="en-US" sz="3200" dirty="0" smtClean="0"/>
-              <a:t>talk to customer if needed</a:t>
-            </a:r>
+              <a:t>Brings out constants and new details</a:t>
+            </a:r>
+            <a:endParaRPr lang="en-US" dirty="0" smtClean="0"/>
+          </a:p>
+          <a:p>
+            <a:endParaRPr lang="en-US" dirty="0"/>
           </a:p>
         </p:txBody>
       </p:sp>
     </p:spTree>
     <p:extLst>
       <p:ext uri="{BB962C8B-B14F-4D97-AF65-F5344CB8AC3E}">
-        <p14:creationId xmlns:p14="http://schemas.microsoft.com/office/powerpoint/2010/main" val="1857786446"/>
+        <p14:creationId xmlns:p14="http://schemas.microsoft.com/office/powerpoint/2010/main" val="2960501727"/>
       </p:ext>
     </p:extLst>
   </p:cSld>
   <p:clrMapOvr>
     <a:masterClrMapping/>
   </p:clrMapOvr>
+  <mc:AlternateContent xmlns:mc="http://schemas.openxmlformats.org/markup-compatibility/2006">
+    <mc:Choice xmlns:p14="http://schemas.microsoft.com/office/powerpoint/2010/main" Requires="p14">
+      <p:transition p14:dur="0"/>
+    </mc:Choice>
+    <mc:Fallback>
+      <p:transition/>
+    </mc:Fallback>
+  </mc:AlternateContent>
   <p:timing>
     <p:tnLst>
       <p:par>
@@ -5409,7 +8438,7 @@
       </p:grpSpPr>
       <p:sp>
         <p:nvSpPr>
-          <p:cNvPr id="2" name="Titel 1"/>
+          <p:cNvPr id="6" name="Titel 5"/>
           <p:cNvSpPr>
             <a:spLocks noGrp="1"/>
           </p:cNvSpPr>
@@ -5422,136 +8451,171 @@
           <a:bodyPr/>
           <a:lstStyle/>
           <a:p>
-            <a:pPr algn="ctr"/>
             <a:r>
               <a:rPr lang="en-US" b="1" dirty="0" smtClean="0"/>
-              <a:t>( advanced ) iterative approach to requirements development</a:t>
-            </a:r>
-            <a:endParaRPr lang="en-US" dirty="0"/>
-          </a:p>
-        </p:txBody>
-      </p:sp>
-      <p:sp>
-        <p:nvSpPr>
-          <p:cNvPr id="3" name="Inhaltsplatzhalter 2"/>
-          <p:cNvSpPr>
-            <a:spLocks noGrp="1"/>
-          </p:cNvSpPr>
-          <p:nvPr>
-            <p:ph idx="1"/>
+              <a:t>User story</a:t>
+            </a:r>
+            <a:endParaRPr lang="en-US" b="1" dirty="0"/>
+          </a:p>
+        </p:txBody>
+      </p:sp>
+      <p:sp>
+        <p:nvSpPr>
+          <p:cNvPr id="8" name="Textplatzhalter 7"/>
+          <p:cNvSpPr>
+            <a:spLocks noGrp="1"/>
+          </p:cNvSpPr>
+          <p:nvPr>
+            <p:ph type="body" idx="1"/>
           </p:nvPr>
         </p:nvSpPr>
         <p:spPr/>
         <p:txBody>
-          <a:bodyPr/>
-          <a:lstStyle/>
-          <a:p>
-            <a:pPr marL="0" indent="0">
-              <a:buNone/>
-            </a:pPr>
+          <a:bodyPr>
+            <a:noAutofit/>
+          </a:bodyPr>
+          <a:lstStyle/>
+          <a:p>
+            <a:r>
+              <a:rPr lang="en-US" sz="3600" dirty="0" smtClean="0"/>
+              <a:t>Should Be</a:t>
+            </a:r>
+            <a:endParaRPr lang="en-US" sz="3600" dirty="0"/>
+          </a:p>
+        </p:txBody>
+      </p:sp>
+      <p:sp>
+        <p:nvSpPr>
+          <p:cNvPr id="9" name="Inhaltsplatzhalter 8"/>
+          <p:cNvSpPr>
+            <a:spLocks noGrp="1"/>
+          </p:cNvSpPr>
+          <p:nvPr>
+            <p:ph sz="half" idx="2"/>
+          </p:nvPr>
+        </p:nvSpPr>
+        <p:spPr/>
+        <p:txBody>
+          <a:bodyPr>
+            <a:normAutofit/>
+          </a:bodyPr>
+          <a:lstStyle/>
+          <a:p>
             <a:r>
               <a:rPr lang="en-US" sz="3200" dirty="0" smtClean="0"/>
-              <a:t>5) Refined user story </a:t>
-            </a:r>
-          </a:p>
-          <a:p>
-            <a:pPr marL="0" indent="0">
-              <a:buNone/>
-            </a:pPr>
+              <a:t>Describe one thing</a:t>
+            </a:r>
+          </a:p>
+          <a:p>
             <a:r>
               <a:rPr lang="en-US" sz="3200" dirty="0" smtClean="0"/>
-              <a:t>	</a:t>
-            </a:r>
-            <a:r>
-              <a:rPr lang="en-US" sz="3200" dirty="0" smtClean="0">
-                <a:sym typeface="Wingdings" panose="05000000000000000000" pitchFamily="2" charset="2"/>
-              </a:rPr>
-              <a:t> </a:t>
+              <a:t>Written </a:t>
             </a:r>
             <a:r>
               <a:rPr lang="en-US" sz="3200" dirty="0" smtClean="0"/>
-              <a:t>focused on the customer</a:t>
-            </a:r>
-          </a:p>
-          <a:p>
-            <a:pPr marL="0" indent="0">
-              <a:buNone/>
-            </a:pPr>
+              <a:t>from the</a:t>
+            </a:r>
             <a:r>
               <a:rPr lang="en-US" sz="3200" dirty="0" smtClean="0"/>
-              <a:t>6) Discuss in the team the estimates</a:t>
-            </a:r>
-          </a:p>
-          <a:p>
-            <a:pPr marL="0" indent="0">
-              <a:buNone/>
-            </a:pPr>
+              <a:t> customer’s perspective</a:t>
+            </a:r>
+            <a:endParaRPr lang="en-US" sz="3200" dirty="0" smtClean="0"/>
+          </a:p>
+          <a:p>
+            <a:r>
+              <a:rPr lang="en-US" sz="3200" dirty="0" smtClean="0"/>
+              <a:t>Short</a:t>
+            </a:r>
+          </a:p>
+          <a:p>
+            <a:endParaRPr lang="en-US" sz="1600" dirty="0"/>
+          </a:p>
+        </p:txBody>
+      </p:sp>
+      <p:sp>
+        <p:nvSpPr>
+          <p:cNvPr id="10" name="Textplatzhalter 9"/>
+          <p:cNvSpPr>
+            <a:spLocks noGrp="1"/>
+          </p:cNvSpPr>
+          <p:nvPr>
+            <p:ph type="body" sz="quarter" idx="3"/>
+          </p:nvPr>
+        </p:nvSpPr>
+        <p:spPr/>
+        <p:txBody>
+          <a:bodyPr>
+            <a:normAutofit/>
+          </a:bodyPr>
+          <a:lstStyle/>
+          <a:p>
+            <a:r>
+              <a:rPr lang="en-US" sz="3600" dirty="0" smtClean="0"/>
+              <a:t>Should Not Be</a:t>
+            </a:r>
+            <a:endParaRPr lang="en-US" sz="3600" dirty="0"/>
+          </a:p>
+        </p:txBody>
+      </p:sp>
+      <p:sp>
+        <p:nvSpPr>
+          <p:cNvPr id="11" name="Inhaltsplatzhalter 10"/>
+          <p:cNvSpPr>
+            <a:spLocks noGrp="1"/>
+          </p:cNvSpPr>
+          <p:nvPr>
+            <p:ph sz="quarter" idx="4"/>
+          </p:nvPr>
+        </p:nvSpPr>
+        <p:spPr/>
+        <p:txBody>
+          <a:bodyPr>
+            <a:normAutofit/>
+          </a:bodyPr>
+          <a:lstStyle/>
+          <a:p>
             <a:r>
               <a:rPr lang="en-US" sz="3200" dirty="0"/>
-              <a:t>	</a:t>
-            </a:r>
-            <a:r>
-              <a:rPr lang="en-US" sz="3200" dirty="0" smtClean="0">
-                <a:sym typeface="Wingdings" panose="05000000000000000000" pitchFamily="2" charset="2"/>
-              </a:rPr>
-              <a:t> </a:t>
+              <a:t>L</a:t>
             </a:r>
             <a:r>
               <a:rPr lang="en-US" sz="3200" dirty="0" smtClean="0"/>
-              <a:t>Planning Poker</a:t>
-            </a:r>
-          </a:p>
-          <a:p>
-            <a:pPr marL="0" indent="0">
-              <a:buNone/>
-            </a:pPr>
+              <a:t>ong </a:t>
+            </a:r>
             <a:r>
               <a:rPr lang="en-US" sz="3200" dirty="0" smtClean="0"/>
-              <a:t>7) Get missing </a:t>
-            </a:r>
-            <a:r>
-              <a:rPr lang="en-US" sz="3200" dirty="0" err="1" smtClean="0"/>
-              <a:t>informations</a:t>
-            </a:r>
+              <a:t>essay</a:t>
+            </a:r>
+          </a:p>
+          <a:p>
             <a:r>
               <a:rPr lang="en-US" sz="3200" dirty="0" smtClean="0"/>
-              <a:t> and break up large user stories    	</a:t>
-            </a:r>
-            <a:r>
-              <a:rPr lang="en-US" sz="3200" dirty="0" smtClean="0">
-                <a:sym typeface="Wingdings" panose="05000000000000000000" pitchFamily="2" charset="2"/>
-              </a:rPr>
-              <a:t> </a:t>
-            </a:r>
-            <a:r>
-              <a:rPr lang="en-US" sz="3200" dirty="0" smtClean="0"/>
-              <a:t>can jump to step 4 again and redo the process</a:t>
-            </a:r>
-          </a:p>
-          <a:p>
-            <a:pPr marL="0" indent="0">
-              <a:buNone/>
-            </a:pPr>
-            <a:r>
-              <a:rPr lang="en-US" sz="3200" dirty="0" smtClean="0"/>
-              <a:t>8) Estimate how long all requirements will take</a:t>
-            </a:r>
-          </a:p>
-          <a:p>
-            <a:endParaRPr lang="en-US" dirty="0"/>
+              <a:t>Involving technical terms, customer doesn’t understand</a:t>
+            </a:r>
+          </a:p>
+          <a:p>
+            <a:endParaRPr lang="en-US" sz="1600" dirty="0"/>
           </a:p>
         </p:txBody>
       </p:sp>
     </p:spTree>
     <p:extLst>
       <p:ext uri="{BB962C8B-B14F-4D97-AF65-F5344CB8AC3E}">
-        <p14:creationId xmlns:p14="http://schemas.microsoft.com/office/powerpoint/2010/main" val="628057124"/>
+        <p14:creationId xmlns:p14="http://schemas.microsoft.com/office/powerpoint/2010/main" val="2543014456"/>
       </p:ext>
     </p:extLst>
   </p:cSld>
   <p:clrMapOvr>
     <a:masterClrMapping/>
   </p:clrMapOvr>
+  <mc:AlternateContent xmlns:mc="http://schemas.openxmlformats.org/markup-compatibility/2006">
+    <mc:Choice xmlns:p14="http://schemas.microsoft.com/office/powerpoint/2010/main" Requires="p14">
+      <p:transition p14:dur="0"/>
+    </mc:Choice>
+    <mc:Fallback>
+      <p:transition/>
+    </mc:Fallback>
+  </mc:AlternateContent>
   <p:timing>
     <p:tnLst>
       <p:par>
@@ -5581,7 +8645,7 @@
       </p:grpSpPr>
       <p:sp>
         <p:nvSpPr>
-          <p:cNvPr id="2" name="Titel 1"/>
+          <p:cNvPr id="8" name="Titel 7"/>
           <p:cNvSpPr>
             <a:spLocks noGrp="1"/>
           </p:cNvSpPr>
@@ -5594,10 +8658,9 @@
           <a:bodyPr/>
           <a:lstStyle/>
           <a:p>
-            <a:pPr algn="ctr"/>
             <a:r>
               <a:rPr lang="en-US" b="1" dirty="0" smtClean="0"/>
-              <a:t>GOAL</a:t>
+              <a:t>Developing Requirements</a:t>
             </a:r>
             <a:endParaRPr lang="en-US" b="1" dirty="0"/>
           </a:p>
@@ -5605,7 +8668,7 @@
       </p:sp>
       <p:sp>
         <p:nvSpPr>
-          <p:cNvPr id="3" name="Inhaltsplatzhalter 2"/>
+          <p:cNvPr id="9" name="Inhaltsplatzhalter 8"/>
           <p:cNvSpPr>
             <a:spLocks noGrp="1"/>
           </p:cNvSpPr>
@@ -5620,36 +8683,79 @@
           </a:bodyPr>
           <a:lstStyle/>
           <a:p>
-            <a:r>
-              <a:rPr lang="en-US" sz="3600" dirty="0" smtClean="0"/>
-              <a:t>short, focused user story</a:t>
-            </a:r>
-          </a:p>
-          <a:p>
-            <a:r>
-              <a:rPr lang="en-US" sz="3600" dirty="0" smtClean="0"/>
-              <a:t>no assumptions left</a:t>
-            </a:r>
-          </a:p>
-          <a:p>
-            <a:r>
-              <a:rPr lang="en-US" sz="3600" dirty="0" smtClean="0"/>
-              <a:t>set of confident estimates </a:t>
-            </a:r>
-            <a:endParaRPr lang="en-US" sz="3600" dirty="0"/>
+            <a:pPr marL="514350" indent="-514350">
+              <a:buAutoNum type="arabicPeriod"/>
+            </a:pPr>
+            <a:r>
+              <a:rPr lang="en-US" sz="3200" dirty="0" smtClean="0"/>
+              <a:t>Capturing basic ideas</a:t>
+            </a:r>
+          </a:p>
+          <a:p>
+            <a:pPr marL="514350" indent="-514350">
+              <a:buAutoNum type="arabicPeriod"/>
+            </a:pPr>
+            <a:r>
+              <a:rPr lang="en-US" sz="3200" dirty="0" err="1" smtClean="0"/>
+              <a:t>Bluesky</a:t>
+            </a:r>
+            <a:r>
+              <a:rPr lang="en-US" sz="3200" dirty="0" smtClean="0"/>
+              <a:t> brainstorming</a:t>
+            </a:r>
+          </a:p>
+          <a:p>
+            <a:pPr marL="514350" indent="-514350">
+              <a:buAutoNum type="arabicPeriod"/>
+            </a:pPr>
+            <a:r>
+              <a:rPr lang="en-US" sz="3200" dirty="0" smtClean="0"/>
+              <a:t>Constructing </a:t>
+            </a:r>
+            <a:r>
+              <a:rPr lang="en-US" sz="3200" dirty="0" smtClean="0"/>
+              <a:t>User stories</a:t>
+            </a:r>
+            <a:endParaRPr lang="en-US" sz="3200" dirty="0" smtClean="0"/>
+          </a:p>
+          <a:p>
+            <a:pPr marL="514350" indent="-514350">
+              <a:buAutoNum type="arabicPeriod"/>
+            </a:pPr>
+            <a:r>
+              <a:rPr lang="en-US" sz="3200" dirty="0" smtClean="0"/>
+              <a:t>Finding holes &amp; adding clarity on detail using customer feedback</a:t>
+            </a:r>
+          </a:p>
+          <a:p>
+            <a:pPr marL="514350" indent="-514350">
+              <a:buAutoNum type="arabicPeriod"/>
+            </a:pPr>
+            <a:r>
+              <a:rPr lang="en-US" sz="3200" dirty="0" smtClean="0"/>
+              <a:t>Clear, customer focused user stories</a:t>
+            </a:r>
           </a:p>
         </p:txBody>
       </p:sp>
     </p:spTree>
     <p:extLst>
       <p:ext uri="{BB962C8B-B14F-4D97-AF65-F5344CB8AC3E}">
-        <p14:creationId xmlns:p14="http://schemas.microsoft.com/office/powerpoint/2010/main" val="3356227053"/>
+        <p14:creationId xmlns:p14="http://schemas.microsoft.com/office/powerpoint/2010/main" val="31443604"/>
       </p:ext>
     </p:extLst>
   </p:cSld>
   <p:clrMapOvr>
     <a:masterClrMapping/>
   </p:clrMapOvr>
+  <mc:AlternateContent xmlns:mc="http://schemas.openxmlformats.org/markup-compatibility/2006">
+    <mc:Choice xmlns:p14="http://schemas.microsoft.com/office/powerpoint/2010/main" Requires="p14">
+      <p:transition p14:dur="0"/>
+    </mc:Choice>
+    <mc:Fallback>
+      <p:transition/>
+    </mc:Fallback>
+  </mc:AlternateContent>
   <p:timing>
     <p:tnLst>
       <p:par>
